--- a/readme.pptx
+++ b/readme.pptx
@@ -117,6 +117,11 @@
       </a:defRPr>
     </a:lvl9pPr>
   </p:defaultTextStyle>
+  <p:extLst>
+    <p:ext uri="{EFAFB233-063F-42B5-8137-9DF3F51BA10A}">
+      <p15:sldGuideLst xmlns:p15="http://schemas.microsoft.com/office/powerpoint/2012/main"/>
+    </p:ext>
+  </p:extLst>
 </p:presentation>
 </file>
 
@@ -6295,6 +6300,9 @@
           <a:bodyPr/>
           <a:lstStyle/>
           <a:p>
+            <a:pPr marL="0" indent="0">
+              <a:buNone/>
+            </a:pPr>
             <a:r>
               <a:rPr kumimoji="1" lang="en-US" altLang="ja-JP" dirty="0"/>
               <a:t>class </a:t>
@@ -6306,7 +6314,9 @@
             <a:endParaRPr kumimoji="1" lang="en-US" altLang="ja-JP" dirty="0"/>
           </a:p>
           <a:p>
-            <a:pPr lvl="1"/>
+            <a:pPr marL="457200" lvl="1" indent="0">
+              <a:buNone/>
+            </a:pPr>
             <a:r>
               <a:rPr kumimoji="1" lang="en-US" altLang="ja-JP" dirty="0" err="1"/>
               <a:t>lightgbm</a:t>
@@ -6318,7 +6328,9 @@
             <a:endParaRPr kumimoji="1" lang="en-US" altLang="ja-JP" dirty="0"/>
           </a:p>
           <a:p>
-            <a:pPr lvl="1"/>
+            <a:pPr marL="457200" lvl="1" indent="0">
+              <a:buNone/>
+            </a:pPr>
             <a:r>
               <a:rPr lang="en-US" altLang="ja-JP" dirty="0" err="1"/>
               <a:t>lightgbm</a:t>
@@ -6330,7 +6342,9 @@
             <a:endParaRPr lang="en-US" altLang="ja-JP" dirty="0"/>
           </a:p>
           <a:p>
-            <a:pPr lvl="1"/>
+            <a:pPr marL="457200" lvl="1" indent="0">
+              <a:buNone/>
+            </a:pPr>
             <a:r>
               <a:rPr kumimoji="1" lang="ja-JP" altLang="en-US"/>
               <a:t>本研究ではランク学習を用いる方針</a:t>
@@ -6338,7 +6352,9 @@
             <a:endParaRPr kumimoji="1" lang="en-US" altLang="ja-JP" dirty="0"/>
           </a:p>
           <a:p>
-            <a:pPr lvl="1"/>
+            <a:pPr marL="457200" lvl="1" indent="0">
+              <a:buNone/>
+            </a:pPr>
             <a:r>
               <a:rPr kumimoji="1" lang="ja-JP" altLang="en-US"/>
               <a:t>これもクラス化したメリットあんま感じないので</a:t>
@@ -6354,10 +6370,15 @@
             <a:endParaRPr kumimoji="1" lang="en-US" altLang="ja-JP" dirty="0"/>
           </a:p>
           <a:p>
-            <a:pPr lvl="1"/>
+            <a:pPr marL="457200" lvl="1" indent="0">
+              <a:buNone/>
+            </a:pPr>
             <a:endParaRPr lang="en-US" altLang="ja-JP" dirty="0"/>
           </a:p>
           <a:p>
+            <a:pPr marL="0" indent="0">
+              <a:buNone/>
+            </a:pPr>
             <a:r>
               <a:rPr lang="en-US" altLang="ja-JP" dirty="0"/>
               <a:t>class Predictor (</a:t>
@@ -6372,7 +6393,9 @@
             </a:r>
           </a:p>
           <a:p>
-            <a:pPr lvl="1"/>
+            <a:pPr marL="457200" lvl="1" indent="0">
+              <a:buNone/>
+            </a:pPr>
             <a:r>
               <a:rPr kumimoji="1" lang="ja-JP" altLang="en-US"/>
               <a:t>当日レース用</a:t>
@@ -6388,7 +6411,9 @@
             <a:endParaRPr kumimoji="1" lang="en-US" altLang="ja-JP" dirty="0"/>
           </a:p>
           <a:p>
-            <a:pPr lvl="1"/>
+            <a:pPr marL="457200" lvl="1" indent="0">
+              <a:buNone/>
+            </a:pPr>
             <a:r>
               <a:rPr lang="ja-JP" altLang="en-US"/>
               <a:t>こいつもキモいから廃止予定</a:t>

--- a/readme.pptx
+++ b/readme.pptx
@@ -10,15 +10,15 @@
   <p:sldIdLst>
     <p:sldId id="256" r:id="rId2"/>
     <p:sldId id="264" r:id="rId3"/>
-    <p:sldId id="257" r:id="rId4"/>
-    <p:sldId id="258" r:id="rId5"/>
-    <p:sldId id="261" r:id="rId6"/>
-    <p:sldId id="262" r:id="rId7"/>
-    <p:sldId id="259" r:id="rId8"/>
-    <p:sldId id="260" r:id="rId9"/>
-    <p:sldId id="263" r:id="rId10"/>
-    <p:sldId id="265" r:id="rId11"/>
-    <p:sldId id="266" r:id="rId12"/>
+    <p:sldId id="266" r:id="rId4"/>
+    <p:sldId id="257" r:id="rId5"/>
+    <p:sldId id="258" r:id="rId6"/>
+    <p:sldId id="261" r:id="rId7"/>
+    <p:sldId id="262" r:id="rId8"/>
+    <p:sldId id="259" r:id="rId9"/>
+    <p:sldId id="260" r:id="rId10"/>
+    <p:sldId id="263" r:id="rId11"/>
+    <p:sldId id="265" r:id="rId12"/>
   </p:sldIdLst>
   <p:sldSz cx="12192000" cy="6858000"/>
   <p:notesSz cx="6858000" cy="9144000"/>
@@ -207,7 +207,7 @@
           <a:p>
             <a:fld id="{B8FC1035-6497-104E-BE58-BEC98D0E867D}" type="datetimeFigureOut">
               <a:rPr kumimoji="1" lang="ja-JP" altLang="en-US" smtClean="0"/>
-              <a:t>2023/1/25</a:t>
+              <a:t>2023/2/2</a:t>
             </a:fld>
             <a:endParaRPr kumimoji="1" lang="ja-JP" altLang="en-US"/>
           </a:p>
@@ -653,7 +653,7 @@
           <a:p>
             <a:fld id="{31728F00-8FA6-0742-A27D-1B9178BB07CE}" type="datetime1">
               <a:rPr kumimoji="1" lang="ja-JP" altLang="en-US" smtClean="0"/>
-              <a:t>2023/1/25</a:t>
+              <a:t>2023/2/2</a:t>
             </a:fld>
             <a:endParaRPr kumimoji="1" lang="ja-JP" altLang="en-US"/>
           </a:p>
@@ -883,7 +883,7 @@
           <a:p>
             <a:fld id="{5821B046-F53D-0743-B535-EA0A62162861}" type="datetime1">
               <a:rPr kumimoji="1" lang="ja-JP" altLang="en-US" smtClean="0"/>
-              <a:t>2023/1/25</a:t>
+              <a:t>2023/2/2</a:t>
             </a:fld>
             <a:endParaRPr kumimoji="1" lang="ja-JP" altLang="en-US"/>
           </a:p>
@@ -1123,7 +1123,7 @@
           <a:p>
             <a:fld id="{C991C4E5-718F-EC44-89F4-88C5A67E8EE1}" type="datetime1">
               <a:rPr kumimoji="1" lang="ja-JP" altLang="en-US" smtClean="0"/>
-              <a:t>2023/1/25</a:t>
+              <a:t>2023/2/2</a:t>
             </a:fld>
             <a:endParaRPr kumimoji="1" lang="ja-JP" altLang="en-US"/>
           </a:p>
@@ -1353,7 +1353,7 @@
           <a:p>
             <a:fld id="{951D50B2-FCDF-3248-90E7-B55C9AE895A2}" type="datetime1">
               <a:rPr kumimoji="1" lang="ja-JP" altLang="en-US" smtClean="0"/>
-              <a:t>2023/1/25</a:t>
+              <a:t>2023/2/2</a:t>
             </a:fld>
             <a:endParaRPr kumimoji="1" lang="ja-JP" altLang="en-US"/>
           </a:p>
@@ -1628,7 +1628,7 @@
           <a:p>
             <a:fld id="{365F37FD-C007-C445-9D49-41C35BA8F3F9}" type="datetime1">
               <a:rPr kumimoji="1" lang="ja-JP" altLang="en-US" smtClean="0"/>
-              <a:t>2023/1/25</a:t>
+              <a:t>2023/2/2</a:t>
             </a:fld>
             <a:endParaRPr kumimoji="1" lang="ja-JP" altLang="en-US"/>
           </a:p>
@@ -1957,7 +1957,7 @@
           <a:p>
             <a:fld id="{5FD3BC83-B1D0-D247-9837-6109CCA34727}" type="datetime1">
               <a:rPr kumimoji="1" lang="ja-JP" altLang="en-US" smtClean="0"/>
-              <a:t>2023/1/25</a:t>
+              <a:t>2023/2/2</a:t>
             </a:fld>
             <a:endParaRPr kumimoji="1" lang="ja-JP" altLang="en-US"/>
           </a:p>
@@ -2433,7 +2433,7 @@
           <a:p>
             <a:fld id="{A59B041B-21A7-A645-B8DF-6F711E72C207}" type="datetime1">
               <a:rPr kumimoji="1" lang="ja-JP" altLang="en-US" smtClean="0"/>
-              <a:t>2023/1/25</a:t>
+              <a:t>2023/2/2</a:t>
             </a:fld>
             <a:endParaRPr kumimoji="1" lang="ja-JP" altLang="en-US"/>
           </a:p>
@@ -2574,7 +2574,7 @@
           <a:p>
             <a:fld id="{F1C3A4C9-E6BF-634D-BCE7-20891139BD85}" type="datetime1">
               <a:rPr kumimoji="1" lang="ja-JP" altLang="en-US" smtClean="0"/>
-              <a:t>2023/1/25</a:t>
+              <a:t>2023/2/2</a:t>
             </a:fld>
             <a:endParaRPr kumimoji="1" lang="ja-JP" altLang="en-US"/>
           </a:p>
@@ -2687,7 +2687,7 @@
           <a:p>
             <a:fld id="{E0917E45-EDBC-884E-9341-44585A8D3908}" type="datetime1">
               <a:rPr kumimoji="1" lang="ja-JP" altLang="en-US" smtClean="0"/>
-              <a:t>2023/1/25</a:t>
+              <a:t>2023/2/2</a:t>
             </a:fld>
             <a:endParaRPr kumimoji="1" lang="ja-JP" altLang="en-US"/>
           </a:p>
@@ -3030,7 +3030,7 @@
           <a:p>
             <a:fld id="{A180FA52-26A3-2D49-9DAF-7D31475610BD}" type="datetime1">
               <a:rPr kumimoji="1" lang="ja-JP" altLang="en-US" smtClean="0"/>
-              <a:t>2023/1/25</a:t>
+              <a:t>2023/2/2</a:t>
             </a:fld>
             <a:endParaRPr kumimoji="1" lang="ja-JP" altLang="en-US"/>
           </a:p>
@@ -3318,7 +3318,7 @@
           <a:p>
             <a:fld id="{8811D5B2-A1B5-1141-AB8E-F6E3ED54091F}" type="datetime1">
               <a:rPr kumimoji="1" lang="ja-JP" altLang="en-US" smtClean="0"/>
-              <a:t>2023/1/25</a:t>
+              <a:t>2023/2/2</a:t>
             </a:fld>
             <a:endParaRPr kumimoji="1" lang="ja-JP" altLang="en-US"/>
           </a:p>
@@ -3591,7 +3591,7 @@
           <a:p>
             <a:fld id="{C29A9DF5-6E19-5E40-B84E-9CA14B4A3EA7}" type="datetime1">
               <a:rPr kumimoji="1" lang="ja-JP" altLang="en-US" smtClean="0"/>
-              <a:t>2023/1/25</a:t>
+              <a:t>2023/2/2</a:t>
             </a:fld>
             <a:endParaRPr kumimoji="1" lang="ja-JP" altLang="en-US"/>
           </a:p>
@@ -4100,7 +4100,7 @@
           <p:cNvPr id="2" name="タイトル 1">
             <a:extLst>
               <a:ext uri="{FF2B5EF4-FFF2-40B4-BE49-F238E27FC236}">
-                <a16:creationId xmlns:a16="http://schemas.microsoft.com/office/drawing/2014/main" id="{8DC4284B-F3C3-91F8-0719-2DD2E9807614}"/>
+                <a16:creationId xmlns:a16="http://schemas.microsoft.com/office/drawing/2014/main" id="{7524C90B-6AEF-06F9-1D36-B5B46D0C936F}"/>
               </a:ext>
             </a:extLst>
           </p:cNvPr>
@@ -4118,47 +4118,95 @@
           <a:p>
             <a:r>
               <a:rPr kumimoji="1" lang="en-US" altLang="ja-JP" dirty="0"/>
-              <a:t>※ </a:t>
+              <a:t>3. </a:t>
+            </a:r>
+            <a:r>
+              <a:rPr lang="ja-JP" altLang="en-US"/>
+              <a:t>ライブラリと使用法</a:t>
+            </a:r>
+            <a:endParaRPr kumimoji="1" lang="ja-JP" altLang="en-US"/>
+          </a:p>
+        </p:txBody>
+      </p:sp>
+      <p:sp>
+        <p:nvSpPr>
+          <p:cNvPr id="3" name="コンテンツ プレースホルダー 2">
+            <a:extLst>
+              <a:ext uri="{FF2B5EF4-FFF2-40B4-BE49-F238E27FC236}">
+                <a16:creationId xmlns:a16="http://schemas.microsoft.com/office/drawing/2014/main" id="{581E42EC-B7F3-854C-1A46-79DA31C2DC90}"/>
+              </a:ext>
+            </a:extLst>
+          </p:cNvPr>
+          <p:cNvSpPr>
+            <a:spLocks noGrp="1"/>
+          </p:cNvSpPr>
+          <p:nvPr>
+            <p:ph idx="1"/>
+          </p:nvPr>
+        </p:nvSpPr>
+        <p:spPr/>
+        <p:txBody>
+          <a:bodyPr/>
+          <a:lstStyle/>
+          <a:p>
+            <a:pPr marL="0" indent="0">
+              <a:buNone/>
+            </a:pPr>
+            <a:r>
+              <a:rPr kumimoji="1" lang="en-US" altLang="ja-JP" dirty="0"/>
+              <a:t>class </a:t>
             </a:r>
             <a:r>
               <a:rPr kumimoji="1" lang="en-US" altLang="ja-JP" dirty="0" err="1"/>
-              <a:t>fasttext</a:t>
-            </a:r>
-            <a:endParaRPr kumimoji="1" lang="ja-JP" altLang="en-US"/>
-          </a:p>
-        </p:txBody>
-      </p:sp>
-      <p:sp>
-        <p:nvSpPr>
-          <p:cNvPr id="3" name="コンテンツ プレースホルダー 2">
-            <a:extLst>
-              <a:ext uri="{FF2B5EF4-FFF2-40B4-BE49-F238E27FC236}">
-                <a16:creationId xmlns:a16="http://schemas.microsoft.com/office/drawing/2014/main" id="{843BEEEC-FDDF-B944-71D6-E4A39100CE91}"/>
-              </a:ext>
-            </a:extLst>
-          </p:cNvPr>
-          <p:cNvSpPr>
-            <a:spLocks noGrp="1"/>
-          </p:cNvSpPr>
-          <p:nvPr>
-            <p:ph idx="1"/>
-          </p:nvPr>
-        </p:nvSpPr>
-        <p:spPr/>
-        <p:txBody>
-          <a:bodyPr>
-            <a:normAutofit fontScale="85000" lnSpcReduction="10000"/>
-          </a:bodyPr>
-          <a:lstStyle/>
-          <a:p>
-            <a:pPr>
-              <a:lnSpc>
-                <a:spcPct val="150000"/>
-              </a:lnSpc>
+              <a:t>LearnLGBM</a:t>
+            </a:r>
+            <a:endParaRPr kumimoji="1" lang="en-US" altLang="ja-JP" dirty="0"/>
+          </a:p>
+          <a:p>
+            <a:pPr marL="457200" lvl="1" indent="0">
+              <a:buNone/>
             </a:pPr>
             <a:r>
-              <a:rPr kumimoji="1" lang="ja-JP" altLang="en-US"/>
-              <a:t>競馬の血統データのベクトル化に</a:t>
+              <a:rPr kumimoji="1" lang="en-US" altLang="ja-JP" dirty="0" err="1"/>
+              <a:t>lightgbm</a:t>
+            </a:r>
+            <a:r>
+              <a:rPr kumimoji="1" lang="ja-JP" altLang="en-US"/>
+              <a:t>を学習させるクラス</a:t>
+            </a:r>
+            <a:endParaRPr kumimoji="1" lang="en-US" altLang="ja-JP" dirty="0"/>
+          </a:p>
+          <a:p>
+            <a:pPr marL="457200" lvl="1" indent="0">
+              <a:buNone/>
+            </a:pPr>
+            <a:r>
+              <a:rPr lang="en-US" altLang="ja-JP" dirty="0" err="1"/>
+              <a:t>lightgbm</a:t>
+            </a:r>
+            <a:r>
+              <a:rPr lang="ja-JP" altLang="en-US"/>
+              <a:t>についてはググってね</a:t>
+            </a:r>
+            <a:endParaRPr lang="en-US" altLang="ja-JP" dirty="0"/>
+          </a:p>
+          <a:p>
+            <a:pPr marL="457200" lvl="1" indent="0">
+              <a:buNone/>
+            </a:pPr>
+            <a:r>
+              <a:rPr kumimoji="1" lang="ja-JP" altLang="en-US"/>
+              <a:t>本研究ではランク学習を用いる方針</a:t>
+            </a:r>
+            <a:endParaRPr kumimoji="1" lang="en-US" altLang="ja-JP" dirty="0"/>
+          </a:p>
+          <a:p>
+            <a:pPr marL="457200" lvl="1" indent="0">
+              <a:buNone/>
+            </a:pPr>
+            <a:r>
+              <a:rPr kumimoji="1" lang="ja-JP" altLang="en-US"/>
+              <a:t>これもクラス化したメリットあんま感じないので</a:t>
             </a:r>
             <a:r>
               <a:rPr kumimoji="1" lang="en-US" altLang="ja-JP" dirty="0"/>
@@ -4166,127 +4214,67 @@
             </a:r>
             <a:r>
               <a:rPr kumimoji="1" lang="ja-JP" altLang="en-US"/>
-              <a:t>自然言語処理で用いられる</a:t>
-            </a:r>
-            <a:r>
-              <a:rPr kumimoji="1" lang="en-US" altLang="ja-JP" dirty="0" err="1"/>
-              <a:t>fasttext</a:t>
-            </a:r>
-            <a:r>
-              <a:rPr kumimoji="1" lang="ja-JP" altLang="en-US"/>
-              <a:t>が良いと聞いた</a:t>
+              <a:t>廃止予定</a:t>
             </a:r>
             <a:endParaRPr kumimoji="1" lang="en-US" altLang="ja-JP" dirty="0"/>
           </a:p>
           <a:p>
-            <a:pPr>
-              <a:lnSpc>
-                <a:spcPct val="150000"/>
-              </a:lnSpc>
+            <a:pPr marL="457200" lvl="1" indent="0">
+              <a:buNone/>
             </a:pPr>
+            <a:endParaRPr lang="en-US" altLang="ja-JP" dirty="0"/>
+          </a:p>
+          <a:p>
+            <a:pPr marL="0" indent="0">
+              <a:buNone/>
+            </a:pPr>
+            <a:r>
+              <a:rPr lang="en-US" altLang="ja-JP" dirty="0"/>
+              <a:t>class Predictor (</a:t>
+            </a:r>
+            <a:r>
+              <a:rPr lang="en-US" altLang="ja-JP" dirty="0" err="1"/>
+              <a:t>LearnLGBM</a:t>
+            </a:r>
+            <a:r>
+              <a:rPr lang="en-US" altLang="ja-JP" dirty="0"/>
+              <a:t>)</a:t>
+            </a:r>
+          </a:p>
+          <a:p>
+            <a:pPr marL="457200" lvl="1" indent="0">
+              <a:buNone/>
+            </a:pPr>
+            <a:r>
+              <a:rPr kumimoji="1" lang="ja-JP" altLang="en-US"/>
+              <a:t>当日レース用</a:t>
+            </a:r>
+            <a:r>
+              <a:rPr kumimoji="1" lang="en-US" altLang="ja-JP" dirty="0"/>
+              <a:t> </a:t>
+            </a:r>
+            <a:r>
+              <a:rPr kumimoji="1" lang="ja-JP" altLang="en-US"/>
+              <a:t>予測モデル作成</a:t>
+            </a:r>
+            <a:endParaRPr kumimoji="1" lang="en-US" altLang="ja-JP" dirty="0"/>
+          </a:p>
+          <a:p>
+            <a:pPr marL="457200" lvl="1" indent="0">
+              <a:buNone/>
+            </a:pPr>
             <a:r>
               <a:rPr lang="ja-JP" altLang="en-US"/>
-              <a:t>ただインストール方法がクソだるい割に精度の向上に貢献したかは謎</a:t>
-            </a:r>
-            <a:endParaRPr lang="en-US" altLang="ja-JP" dirty="0"/>
-          </a:p>
-          <a:p>
-            <a:pPr>
-              <a:lnSpc>
-                <a:spcPct val="150000"/>
-              </a:lnSpc>
-            </a:pPr>
-            <a:r>
-              <a:rPr kumimoji="1" lang="ja-JP" altLang="en-US"/>
-              <a:t>多分エラーのオンパレードなので</a:t>
-            </a:r>
-            <a:r>
-              <a:rPr kumimoji="1" lang="en-US" altLang="ja-JP" dirty="0"/>
-              <a:t>, </a:t>
-            </a:r>
-            <a:r>
-              <a:rPr kumimoji="1" lang="en-US" altLang="ja-JP" dirty="0" err="1"/>
-              <a:t>fasttext</a:t>
-            </a:r>
-            <a:r>
-              <a:rPr kumimoji="1" lang="ja-JP" altLang="en-US"/>
-              <a:t>は当分使わない方針</a:t>
+              <a:t>こいつもキモいから廃止予定</a:t>
             </a:r>
             <a:endParaRPr kumimoji="1" lang="en-US" altLang="ja-JP" dirty="0"/>
           </a:p>
           <a:p>
-            <a:pPr>
-              <a:lnSpc>
-                <a:spcPct val="150000"/>
-              </a:lnSpc>
-            </a:pPr>
-            <a:r>
-              <a:rPr lang="ja-JP" altLang="en-US"/>
-              <a:t>ただ</a:t>
-            </a:r>
-            <a:r>
-              <a:rPr lang="en-US" altLang="ja-JP" dirty="0"/>
-              <a:t>, </a:t>
-            </a:r>
-            <a:r>
-              <a:rPr lang="ja-JP" altLang="en-US"/>
-              <a:t>血統データのカテゴリ数がデータ多いと</a:t>
-            </a:r>
-            <a:r>
-              <a:rPr lang="en-US" altLang="ja-JP" dirty="0"/>
-              <a:t>5</a:t>
-            </a:r>
-            <a:r>
-              <a:rPr lang="ja-JP" altLang="en-US"/>
-              <a:t>万とかなるので</a:t>
-            </a:r>
-            <a:r>
-              <a:rPr lang="en-US" altLang="ja-JP" dirty="0"/>
-              <a:t>, </a:t>
-            </a:r>
-            <a:r>
-              <a:rPr lang="ja-JP" altLang="en-US"/>
-              <a:t>精度の観点からは後々</a:t>
-            </a:r>
-            <a:r>
-              <a:rPr lang="en-US" altLang="ja-JP" dirty="0"/>
-              <a:t>, </a:t>
-            </a:r>
-            <a:r>
-              <a:rPr lang="ja-JP" altLang="en-US"/>
-              <a:t>カテゴリ変数ではなく</a:t>
-            </a:r>
-            <a:r>
-              <a:rPr lang="en-US" altLang="ja-JP" dirty="0"/>
-              <a:t>, </a:t>
-            </a:r>
-            <a:r>
-              <a:rPr lang="ja-JP" altLang="en-US"/>
-              <a:t>ベクトル化していきたい</a:t>
-            </a:r>
-            <a:endParaRPr lang="en-US" altLang="ja-JP" dirty="0"/>
-          </a:p>
-          <a:p>
-            <a:pPr>
-              <a:lnSpc>
-                <a:spcPct val="150000"/>
-              </a:lnSpc>
-            </a:pPr>
-            <a:r>
-              <a:rPr kumimoji="1" lang="ja-JP" altLang="en-US"/>
-              <a:t>エラー出る場合は無視して該当箇所を適宜コメントアウトして</a:t>
-            </a:r>
-            <a:r>
-              <a:rPr kumimoji="1" lang="en-US" altLang="ja-JP" dirty="0"/>
-              <a:t>!</a:t>
-            </a:r>
-          </a:p>
-          <a:p>
-            <a:pPr>
-              <a:lnSpc>
-                <a:spcPct val="150000"/>
-              </a:lnSpc>
-            </a:pPr>
+            <a:pPr lvl="1"/>
+            <a:endParaRPr kumimoji="1" lang="en-US" altLang="ja-JP" dirty="0"/>
+          </a:p>
+          <a:p>
+            <a:pPr lvl="1"/>
             <a:endParaRPr kumimoji="1" lang="ja-JP" altLang="en-US"/>
           </a:p>
         </p:txBody>
@@ -4296,7 +4284,7 @@
           <p:cNvPr id="4" name="日付プレースホルダー 3">
             <a:extLst>
               <a:ext uri="{FF2B5EF4-FFF2-40B4-BE49-F238E27FC236}">
-                <a16:creationId xmlns:a16="http://schemas.microsoft.com/office/drawing/2014/main" id="{0AAA4BC3-C524-CF84-279B-DDF7EEA958CC}"/>
+                <a16:creationId xmlns:a16="http://schemas.microsoft.com/office/drawing/2014/main" id="{D6467143-5F1C-2FCA-7BCB-6E89D3393705}"/>
               </a:ext>
             </a:extLst>
           </p:cNvPr>
@@ -4314,7 +4302,7 @@
           <a:p>
             <a:fld id="{951D50B2-FCDF-3248-90E7-B55C9AE895A2}" type="datetime1">
               <a:rPr kumimoji="1" lang="ja-JP" altLang="en-US" smtClean="0"/>
-              <a:t>2023/1/25</a:t>
+              <a:t>2023/2/2</a:t>
             </a:fld>
             <a:endParaRPr kumimoji="1" lang="ja-JP" altLang="en-US"/>
           </a:p>
@@ -4325,7 +4313,7 @@
           <p:cNvPr id="5" name="スライド番号プレースホルダー 4">
             <a:extLst>
               <a:ext uri="{FF2B5EF4-FFF2-40B4-BE49-F238E27FC236}">
-                <a16:creationId xmlns:a16="http://schemas.microsoft.com/office/drawing/2014/main" id="{D87A4F6B-A8AA-75AD-50BF-305FDDED2BD5}"/>
+                <a16:creationId xmlns:a16="http://schemas.microsoft.com/office/drawing/2014/main" id="{9FBE0895-19B6-92EA-9A0E-4D350EF8D6AF}"/>
               </a:ext>
             </a:extLst>
           </p:cNvPr>
@@ -4352,7 +4340,7 @@
     </p:spTree>
     <p:extLst>
       <p:ext uri="{BB962C8B-B14F-4D97-AF65-F5344CB8AC3E}">
-        <p14:creationId xmlns:p14="http://schemas.microsoft.com/office/powerpoint/2010/main" val="1035651468"/>
+        <p14:creationId xmlns:p14="http://schemas.microsoft.com/office/powerpoint/2010/main" val="1696035767"/>
       </p:ext>
     </p:extLst>
   </p:cSld>
@@ -4384,7 +4372,7 @@
           <p:cNvPr id="2" name="タイトル 1">
             <a:extLst>
               <a:ext uri="{FF2B5EF4-FFF2-40B4-BE49-F238E27FC236}">
-                <a16:creationId xmlns:a16="http://schemas.microsoft.com/office/drawing/2014/main" id="{DF1F7746-3F3C-D76B-EDF4-5EF98B95BB8C}"/>
+                <a16:creationId xmlns:a16="http://schemas.microsoft.com/office/drawing/2014/main" id="{8DC4284B-F3C3-91F8-0719-2DD2E9807614}"/>
               </a:ext>
             </a:extLst>
           </p:cNvPr>
@@ -4401,9 +4389,14 @@
           <a:lstStyle/>
           <a:p>
             <a:r>
-              <a:rPr kumimoji="1" lang="ja-JP" altLang="en-US"/>
-              <a:t>ロードマップ</a:t>
-            </a:r>
+              <a:rPr kumimoji="1" lang="en-US" altLang="ja-JP" dirty="0"/>
+              <a:t>※ </a:t>
+            </a:r>
+            <a:r>
+              <a:rPr kumimoji="1" lang="en-US" altLang="ja-JP" dirty="0" err="1"/>
+              <a:t>fasttext</a:t>
+            </a:r>
+            <a:endParaRPr kumimoji="1" lang="ja-JP" altLang="en-US"/>
           </a:p>
         </p:txBody>
       </p:sp>
@@ -4412,7 +4405,7 @@
           <p:cNvPr id="3" name="コンテンツ プレースホルダー 2">
             <a:extLst>
               <a:ext uri="{FF2B5EF4-FFF2-40B4-BE49-F238E27FC236}">
-                <a16:creationId xmlns:a16="http://schemas.microsoft.com/office/drawing/2014/main" id="{AFEEA1A4-B783-5E51-F4FD-655CD1856F7E}"/>
+                <a16:creationId xmlns:a16="http://schemas.microsoft.com/office/drawing/2014/main" id="{843BEEEC-FDDF-B944-71D6-E4A39100CE91}"/>
               </a:ext>
             </a:extLst>
           </p:cNvPr>
@@ -4425,20 +4418,147 @@
         </p:nvSpPr>
         <p:spPr/>
         <p:txBody>
-          <a:bodyPr/>
-          <a:lstStyle/>
-          <a:p>
-            <a:r>
-              <a:rPr kumimoji="1" lang="ja-JP" altLang="en-US"/>
-              <a:t>コードをスッキリさせたいでーす</a:t>
+          <a:bodyPr>
+            <a:normAutofit fontScale="85000" lnSpcReduction="10000"/>
+          </a:bodyPr>
+          <a:lstStyle/>
+          <a:p>
+            <a:pPr>
+              <a:lnSpc>
+                <a:spcPct val="150000"/>
+              </a:lnSpc>
+            </a:pPr>
+            <a:r>
+              <a:rPr kumimoji="1" lang="ja-JP" altLang="en-US"/>
+              <a:t>競馬の血統データのベクトル化に</a:t>
+            </a:r>
+            <a:r>
+              <a:rPr kumimoji="1" lang="en-US" altLang="ja-JP" dirty="0"/>
+              <a:t>, </a:t>
+            </a:r>
+            <a:r>
+              <a:rPr kumimoji="1" lang="ja-JP" altLang="en-US"/>
+              <a:t>自然言語処理で用いられる</a:t>
+            </a:r>
+            <a:r>
+              <a:rPr kumimoji="1" lang="en-US" altLang="ja-JP" dirty="0" err="1"/>
+              <a:t>fasttext</a:t>
+            </a:r>
+            <a:r>
+              <a:rPr kumimoji="1" lang="ja-JP" altLang="en-US"/>
+              <a:t>が良いと聞いた</a:t>
             </a:r>
             <a:endParaRPr kumimoji="1" lang="en-US" altLang="ja-JP" dirty="0"/>
           </a:p>
           <a:p>
+            <a:pPr>
+              <a:lnSpc>
+                <a:spcPct val="150000"/>
+              </a:lnSpc>
+            </a:pPr>
             <a:r>
               <a:rPr lang="ja-JP" altLang="en-US"/>
-              <a:t>修論描き終わったら本格的にやる</a:t>
-            </a:r>
+              <a:t>ただインストール方法がクソだるい割に精度の向上に貢献したかは謎</a:t>
+            </a:r>
+            <a:endParaRPr lang="en-US" altLang="ja-JP" dirty="0"/>
+          </a:p>
+          <a:p>
+            <a:pPr>
+              <a:lnSpc>
+                <a:spcPct val="150000"/>
+              </a:lnSpc>
+            </a:pPr>
+            <a:r>
+              <a:rPr kumimoji="1" lang="ja-JP" altLang="en-US"/>
+              <a:t>多分エラーのオンパレードなので</a:t>
+            </a:r>
+            <a:r>
+              <a:rPr kumimoji="1" lang="en-US" altLang="ja-JP" dirty="0"/>
+              <a:t>, </a:t>
+            </a:r>
+            <a:r>
+              <a:rPr kumimoji="1" lang="en-US" altLang="ja-JP" dirty="0" err="1"/>
+              <a:t>fasttext</a:t>
+            </a:r>
+            <a:r>
+              <a:rPr kumimoji="1" lang="ja-JP" altLang="en-US"/>
+              <a:t>は当分使わない方針</a:t>
+            </a:r>
+            <a:endParaRPr kumimoji="1" lang="en-US" altLang="ja-JP" dirty="0"/>
+          </a:p>
+          <a:p>
+            <a:pPr>
+              <a:lnSpc>
+                <a:spcPct val="150000"/>
+              </a:lnSpc>
+            </a:pPr>
+            <a:r>
+              <a:rPr lang="ja-JP" altLang="en-US"/>
+              <a:t>ただ</a:t>
+            </a:r>
+            <a:r>
+              <a:rPr lang="en-US" altLang="ja-JP" dirty="0"/>
+              <a:t>, </a:t>
+            </a:r>
+            <a:r>
+              <a:rPr lang="ja-JP" altLang="en-US"/>
+              <a:t>血統データのカテゴリ数がデータ多いと</a:t>
+            </a:r>
+            <a:r>
+              <a:rPr lang="en-US" altLang="ja-JP" dirty="0"/>
+              <a:t>5</a:t>
+            </a:r>
+            <a:r>
+              <a:rPr lang="ja-JP" altLang="en-US"/>
+              <a:t>万とかなるので</a:t>
+            </a:r>
+            <a:r>
+              <a:rPr lang="en-US" altLang="ja-JP" dirty="0"/>
+              <a:t>, </a:t>
+            </a:r>
+            <a:r>
+              <a:rPr lang="ja-JP" altLang="en-US"/>
+              <a:t>精度の観点からは後々</a:t>
+            </a:r>
+            <a:r>
+              <a:rPr lang="en-US" altLang="ja-JP" dirty="0"/>
+              <a:t>, </a:t>
+            </a:r>
+            <a:r>
+              <a:rPr lang="ja-JP" altLang="en-US"/>
+              <a:t>カテゴリ変数ではなく</a:t>
+            </a:r>
+            <a:r>
+              <a:rPr lang="en-US" altLang="ja-JP" dirty="0"/>
+              <a:t>, </a:t>
+            </a:r>
+            <a:r>
+              <a:rPr lang="ja-JP" altLang="en-US"/>
+              <a:t>ベクトル化していきたい</a:t>
+            </a:r>
+            <a:endParaRPr lang="en-US" altLang="ja-JP" dirty="0"/>
+          </a:p>
+          <a:p>
+            <a:pPr>
+              <a:lnSpc>
+                <a:spcPct val="150000"/>
+              </a:lnSpc>
+            </a:pPr>
+            <a:r>
+              <a:rPr kumimoji="1" lang="ja-JP" altLang="en-US"/>
+              <a:t>エラー出る場合は無視して該当箇所を適宜コメントアウトして</a:t>
+            </a:r>
+            <a:r>
+              <a:rPr kumimoji="1" lang="en-US" altLang="ja-JP" dirty="0"/>
+              <a:t>!</a:t>
+            </a:r>
+          </a:p>
+          <a:p>
+            <a:pPr>
+              <a:lnSpc>
+                <a:spcPct val="150000"/>
+              </a:lnSpc>
+            </a:pPr>
             <a:endParaRPr kumimoji="1" lang="ja-JP" altLang="en-US"/>
           </a:p>
         </p:txBody>
@@ -4448,7 +4568,7 @@
           <p:cNvPr id="4" name="日付プレースホルダー 3">
             <a:extLst>
               <a:ext uri="{FF2B5EF4-FFF2-40B4-BE49-F238E27FC236}">
-                <a16:creationId xmlns:a16="http://schemas.microsoft.com/office/drawing/2014/main" id="{CADC9899-8879-791C-E93E-5E5C25219374}"/>
+                <a16:creationId xmlns:a16="http://schemas.microsoft.com/office/drawing/2014/main" id="{0AAA4BC3-C524-CF84-279B-DDF7EEA958CC}"/>
               </a:ext>
             </a:extLst>
           </p:cNvPr>
@@ -4466,7 +4586,7 @@
           <a:p>
             <a:fld id="{951D50B2-FCDF-3248-90E7-B55C9AE895A2}" type="datetime1">
               <a:rPr kumimoji="1" lang="ja-JP" altLang="en-US" smtClean="0"/>
-              <a:t>2023/1/25</a:t>
+              <a:t>2023/2/2</a:t>
             </a:fld>
             <a:endParaRPr kumimoji="1" lang="ja-JP" altLang="en-US"/>
           </a:p>
@@ -4477,7 +4597,7 @@
           <p:cNvPr id="5" name="スライド番号プレースホルダー 4">
             <a:extLst>
               <a:ext uri="{FF2B5EF4-FFF2-40B4-BE49-F238E27FC236}">
-                <a16:creationId xmlns:a16="http://schemas.microsoft.com/office/drawing/2014/main" id="{D3A0AE3A-8257-53C0-CDB3-D69CDB0B14BF}"/>
+                <a16:creationId xmlns:a16="http://schemas.microsoft.com/office/drawing/2014/main" id="{D87A4F6B-A8AA-75AD-50BF-305FDDED2BD5}"/>
               </a:ext>
             </a:extLst>
           </p:cNvPr>
@@ -4504,7 +4624,7 @@
     </p:spTree>
     <p:extLst>
       <p:ext uri="{BB962C8B-B14F-4D97-AF65-F5344CB8AC3E}">
-        <p14:creationId xmlns:p14="http://schemas.microsoft.com/office/powerpoint/2010/main" val="1001257001"/>
+        <p14:creationId xmlns:p14="http://schemas.microsoft.com/office/powerpoint/2010/main" val="1035651468"/>
       </p:ext>
     </p:extLst>
   </p:cSld>
@@ -4577,7 +4697,9 @@
         </p:nvSpPr>
         <p:spPr/>
         <p:txBody>
-          <a:bodyPr/>
+          <a:bodyPr>
+            <a:normAutofit lnSpcReduction="10000"/>
+          </a:bodyPr>
           <a:lstStyle/>
           <a:p>
             <a:r>
@@ -4586,6 +4708,7 @@
             </a:r>
           </a:p>
           <a:p>
+            <a:pPr lvl="1"/>
             <a:r>
               <a:rPr kumimoji="1" lang="en-US" altLang="ja-JP" dirty="0" err="1"/>
               <a:t>my_modules</a:t>
@@ -4594,6 +4717,180 @@
               <a:rPr kumimoji="1" lang="ja-JP" altLang="en-US"/>
               <a:t>の階層変えた</a:t>
             </a:r>
+            <a:endParaRPr kumimoji="1" lang="en-US" altLang="ja-JP" dirty="0"/>
+          </a:p>
+          <a:p>
+            <a:r>
+              <a:rPr lang="en-US" altLang="ja-JP" dirty="0"/>
+              <a:t>2023/02/02</a:t>
+            </a:r>
+          </a:p>
+          <a:p>
+            <a:pPr lvl="1"/>
+            <a:r>
+              <a:rPr kumimoji="1" lang="en-US" altLang="ja-JP" dirty="0" err="1"/>
+              <a:t>my_modulese</a:t>
+            </a:r>
+            <a:r>
+              <a:rPr kumimoji="1" lang="en-US" altLang="ja-JP" dirty="0"/>
+              <a:t>/prepare </a:t>
+            </a:r>
+            <a:r>
+              <a:rPr kumimoji="1" lang="ja-JP" altLang="en-US"/>
+              <a:t>実装</a:t>
+            </a:r>
+            <a:endParaRPr kumimoji="1" lang="en-US" altLang="ja-JP" dirty="0"/>
+          </a:p>
+          <a:p>
+            <a:pPr lvl="1"/>
+            <a:r>
+              <a:rPr lang="en-US" altLang="ja-JP" dirty="0" err="1"/>
+              <a:t>my_modulese</a:t>
+            </a:r>
+            <a:r>
+              <a:rPr lang="en-US" altLang="ja-JP" dirty="0"/>
+              <a:t>/constants </a:t>
+            </a:r>
+            <a:r>
+              <a:rPr lang="ja-JP" altLang="en-US"/>
+              <a:t>実装</a:t>
+            </a:r>
+            <a:endParaRPr lang="en-US" altLang="ja-JP" dirty="0"/>
+          </a:p>
+          <a:p>
+            <a:pPr lvl="1"/>
+            <a:r>
+              <a:rPr kumimoji="1" lang="en-US" altLang="ja-JP" dirty="0"/>
+              <a:t>results</a:t>
+            </a:r>
+            <a:r>
+              <a:rPr kumimoji="1" lang="ja-JP" altLang="en-US"/>
+              <a:t>テーブル</a:t>
+            </a:r>
+            <a:r>
+              <a:rPr kumimoji="1" lang="en-US" altLang="ja-JP" dirty="0"/>
+              <a:t> -&gt; </a:t>
+            </a:r>
+            <a:r>
+              <a:rPr kumimoji="1" lang="en-US" altLang="ja-JP" dirty="0" err="1"/>
+              <a:t>race_results</a:t>
+            </a:r>
+            <a:r>
+              <a:rPr kumimoji="1" lang="ja-JP" altLang="en-US"/>
+              <a:t>に変数名変更</a:t>
+            </a:r>
+            <a:endParaRPr kumimoji="1" lang="en-US" altLang="ja-JP" dirty="0"/>
+          </a:p>
+          <a:p>
+            <a:pPr lvl="1"/>
+            <a:r>
+              <a:rPr lang="en-US" altLang="ja-JP" dirty="0" err="1"/>
+              <a:t>race_results</a:t>
+            </a:r>
+            <a:r>
+              <a:rPr lang="ja-JP" altLang="en-US"/>
+              <a:t>テーブルに</a:t>
+            </a:r>
+            <a:r>
+              <a:rPr lang="en-US" altLang="ja-JP" dirty="0" err="1"/>
+              <a:t>trainer_id</a:t>
+            </a:r>
+            <a:r>
+              <a:rPr lang="en-US" altLang="ja-JP" dirty="0"/>
+              <a:t>, </a:t>
+            </a:r>
+            <a:r>
+              <a:rPr lang="en-US" altLang="ja-JP" dirty="0" err="1"/>
+              <a:t>owner_id</a:t>
+            </a:r>
+            <a:r>
+              <a:rPr lang="en-US" altLang="ja-JP" dirty="0"/>
+              <a:t> </a:t>
+            </a:r>
+            <a:r>
+              <a:rPr lang="ja-JP" altLang="en-US"/>
+              <a:t>を追加</a:t>
+            </a:r>
+            <a:r>
+              <a:rPr lang="en-US" altLang="ja-JP" dirty="0"/>
+              <a:t> (</a:t>
+            </a:r>
+            <a:r>
+              <a:rPr lang="ja-JP" altLang="en-US"/>
+              <a:t>過去の</a:t>
+            </a:r>
+            <a:r>
+              <a:rPr lang="en-US" altLang="ja-JP" dirty="0"/>
+              <a:t>csv</a:t>
+            </a:r>
+            <a:r>
+              <a:rPr lang="ja-JP" altLang="en-US"/>
+              <a:t>とは一致しないので</a:t>
+            </a:r>
+            <a:r>
+              <a:rPr lang="en-US" altLang="ja-JP" dirty="0"/>
+              <a:t>, </a:t>
+            </a:r>
+            <a:r>
+              <a:rPr lang="ja-JP" altLang="en-US"/>
+              <a:t>古い</a:t>
+            </a:r>
+            <a:r>
+              <a:rPr lang="en-US" altLang="ja-JP" dirty="0"/>
+              <a:t>csv</a:t>
+            </a:r>
+            <a:r>
+              <a:rPr lang="ja-JP" altLang="en-US"/>
+              <a:t>消して</a:t>
+            </a:r>
+            <a:r>
+              <a:rPr lang="en-US" altLang="ja-JP" dirty="0"/>
+              <a:t>, </a:t>
+            </a:r>
+            <a:r>
+              <a:rPr lang="ja-JP" altLang="en-US"/>
+              <a:t>新たにデータをダウンロードする必要あり</a:t>
+            </a:r>
+            <a:r>
+              <a:rPr lang="en-US" altLang="ja-JP" dirty="0"/>
+              <a:t>)</a:t>
+            </a:r>
+          </a:p>
+          <a:p>
+            <a:pPr lvl="1"/>
+            <a:r>
+              <a:rPr lang="ja-JP" altLang="en-US"/>
+              <a:t>詳しくは</a:t>
+            </a:r>
+            <a:r>
+              <a:rPr lang="en-US" altLang="ja-JP" dirty="0" err="1"/>
+              <a:t>main.ipynb</a:t>
+            </a:r>
+            <a:r>
+              <a:rPr lang="ja-JP" altLang="en-US"/>
+              <a:t>を見よ</a:t>
+            </a:r>
+            <a:endParaRPr lang="en-US" altLang="ja-JP" dirty="0"/>
+          </a:p>
+          <a:p>
+            <a:pPr lvl="1"/>
+            <a:r>
+              <a:rPr kumimoji="1" lang="ja-JP" altLang="en-US"/>
+              <a:t>学習まではもしかしたら動かないかもしれない</a:t>
+            </a:r>
+            <a:r>
+              <a:rPr kumimoji="1" lang="en-US" altLang="ja-JP" dirty="0"/>
+              <a:t> (</a:t>
+            </a:r>
+            <a:r>
+              <a:rPr kumimoji="1" lang="ja-JP" altLang="en-US"/>
+              <a:t>未テスト</a:t>
+            </a:r>
+            <a:r>
+              <a:rPr kumimoji="1" lang="en-US" altLang="ja-JP" dirty="0"/>
+              <a:t>)</a:t>
+            </a:r>
+            <a:endParaRPr kumimoji="1" lang="ja-JP" altLang="en-US"/>
           </a:p>
         </p:txBody>
       </p:sp>
@@ -4620,7 +4917,7 @@
           <a:p>
             <a:fld id="{951D50B2-FCDF-3248-90E7-B55C9AE895A2}" type="datetime1">
               <a:rPr kumimoji="1" lang="ja-JP" altLang="en-US" smtClean="0"/>
-              <a:t>2023/1/25</a:t>
+              <a:t>2023/2/2</a:t>
             </a:fld>
             <a:endParaRPr kumimoji="1" lang="ja-JP" altLang="en-US"/>
           </a:p>
@@ -4690,7 +4987,7 @@
           <p:cNvPr id="2" name="タイトル 1">
             <a:extLst>
               <a:ext uri="{FF2B5EF4-FFF2-40B4-BE49-F238E27FC236}">
-                <a16:creationId xmlns:a16="http://schemas.microsoft.com/office/drawing/2014/main" id="{FBB415C9-4345-C2C6-E7B6-A2ED9E621805}"/>
+                <a16:creationId xmlns:a16="http://schemas.microsoft.com/office/drawing/2014/main" id="{DF1F7746-3F3C-D76B-EDF4-5EF98B95BB8C}"/>
               </a:ext>
             </a:extLst>
           </p:cNvPr>
@@ -4708,7 +5005,7 @@
           <a:p>
             <a:r>
               <a:rPr kumimoji="1" lang="ja-JP" altLang="en-US"/>
-              <a:t>目次</a:t>
+              <a:t>ロードマップ</a:t>
             </a:r>
           </a:p>
         </p:txBody>
@@ -4718,7 +5015,7 @@
           <p:cNvPr id="3" name="コンテンツ プレースホルダー 2">
             <a:extLst>
               <a:ext uri="{FF2B5EF4-FFF2-40B4-BE49-F238E27FC236}">
-                <a16:creationId xmlns:a16="http://schemas.microsoft.com/office/drawing/2014/main" id="{F0EE5032-D913-0DF7-0EC1-E87825DC81F9}"/>
+                <a16:creationId xmlns:a16="http://schemas.microsoft.com/office/drawing/2014/main" id="{AFEEA1A4-B783-5E51-F4FD-655CD1856F7E}"/>
               </a:ext>
             </a:extLst>
           </p:cNvPr>
@@ -4729,64 +5026,70 @@
             <p:ph idx="1"/>
           </p:nvPr>
         </p:nvSpPr>
-        <p:spPr>
-          <a:xfrm>
-            <a:off x="838200" y="2370137"/>
-            <a:ext cx="10515600" cy="4351338"/>
-          </a:xfrm>
-        </p:spPr>
-        <p:txBody>
-          <a:bodyPr/>
-          <a:lstStyle/>
-          <a:p>
-            <a:pPr marL="514350" indent="-514350">
-              <a:buFont typeface="+mj-lt"/>
-              <a:buAutoNum type="arabicPeriod"/>
+        <p:spPr/>
+        <p:txBody>
+          <a:bodyPr/>
+          <a:lstStyle/>
+          <a:p>
+            <a:pPr marL="0" indent="0">
+              <a:buNone/>
             </a:pPr>
             <a:r>
               <a:rPr kumimoji="1" lang="ja-JP" altLang="en-US"/>
-              <a:t>目的</a:t>
+              <a:t>次</a:t>
+            </a:r>
+            <a:r>
+              <a:rPr lang="ja-JP" altLang="en-US"/>
+              <a:t>やること</a:t>
+            </a:r>
+            <a:endParaRPr lang="en-US" altLang="ja-JP" dirty="0"/>
+          </a:p>
+          <a:p>
+            <a:pPr lvl="1"/>
+            <a:r>
+              <a:rPr kumimoji="1" lang="ja-JP" altLang="en-US"/>
+              <a:t>データの前処理を行う</a:t>
+            </a:r>
+            <a:r>
+              <a:rPr kumimoji="1" lang="en-US" altLang="ja-JP" dirty="0" err="1"/>
+              <a:t>my_modules</a:t>
+            </a:r>
+            <a:r>
+              <a:rPr kumimoji="1" lang="en-US" altLang="ja-JP" dirty="0"/>
+              <a:t>/preprocessing </a:t>
+            </a:r>
+            <a:r>
+              <a:rPr kumimoji="1" lang="ja-JP" altLang="en-US"/>
+              <a:t>の実装</a:t>
             </a:r>
             <a:endParaRPr kumimoji="1" lang="en-US" altLang="ja-JP" dirty="0"/>
           </a:p>
           <a:p>
-            <a:pPr marL="514350" indent="-514350">
-              <a:buFont typeface="+mj-lt"/>
-              <a:buAutoNum type="arabicPeriod"/>
-            </a:pPr>
-            <a:r>
-              <a:rPr lang="ja-JP" altLang="en-US"/>
-              <a:t>ディレクトリ構成</a:t>
-            </a:r>
-            <a:endParaRPr kumimoji="1" lang="en-US" altLang="ja-JP" dirty="0"/>
-          </a:p>
-          <a:p>
-            <a:pPr marL="514350" indent="-514350">
-              <a:buFont typeface="+mj-lt"/>
-              <a:buAutoNum type="arabicPeriod"/>
-            </a:pPr>
-            <a:r>
-              <a:rPr kumimoji="1" lang="ja-JP" altLang="en-US"/>
-              <a:t>ライブラリと使用法</a:t>
-            </a:r>
-            <a:endParaRPr kumimoji="1" lang="en-US" altLang="ja-JP" dirty="0"/>
-          </a:p>
-          <a:p>
-            <a:pPr marL="514350" indent="-514350">
-              <a:buFont typeface="+mj-lt"/>
-              <a:buAutoNum type="arabicPeriod"/>
-            </a:pPr>
-            <a:r>
-              <a:rPr lang="ja-JP" altLang="en-US"/>
-              <a:t>ロードマップ</a:t>
-            </a:r>
-            <a:endParaRPr lang="en-US" altLang="ja-JP" dirty="0"/>
-          </a:p>
-          <a:p>
-            <a:pPr marL="0" indent="0">
-              <a:buNone/>
-            </a:pPr>
-            <a:endParaRPr lang="en-US" altLang="ja-JP" dirty="0"/>
+            <a:pPr lvl="1"/>
+            <a:r>
+              <a:rPr kumimoji="1" lang="en-US" altLang="ja-JP" dirty="0"/>
+              <a:t>preprocessing</a:t>
+            </a:r>
+            <a:r>
+              <a:rPr kumimoji="1" lang="ja-JP" altLang="en-US"/>
+              <a:t>が実装できたら</a:t>
+            </a:r>
+            <a:r>
+              <a:rPr kumimoji="1" lang="en-US" altLang="ja-JP" dirty="0"/>
+              <a:t>, </a:t>
+            </a:r>
+            <a:r>
+              <a:rPr kumimoji="1" lang="en-US" altLang="ja-JP" dirty="0" err="1"/>
+              <a:t>my_modules</a:t>
+            </a:r>
+            <a:r>
+              <a:rPr kumimoji="1" lang="en-US" altLang="ja-JP" dirty="0"/>
+              <a:t>/training</a:t>
+            </a:r>
+            <a:r>
+              <a:rPr kumimoji="1" lang="ja-JP" altLang="en-US"/>
+              <a:t>実装</a:t>
+            </a:r>
           </a:p>
         </p:txBody>
       </p:sp>
@@ -4795,7 +5098,7 @@
           <p:cNvPr id="4" name="日付プレースホルダー 3">
             <a:extLst>
               <a:ext uri="{FF2B5EF4-FFF2-40B4-BE49-F238E27FC236}">
-                <a16:creationId xmlns:a16="http://schemas.microsoft.com/office/drawing/2014/main" id="{767AFC97-8DE8-12C7-D6DE-329065CFAEC5}"/>
+                <a16:creationId xmlns:a16="http://schemas.microsoft.com/office/drawing/2014/main" id="{CADC9899-8879-791C-E93E-5E5C25219374}"/>
               </a:ext>
             </a:extLst>
           </p:cNvPr>
@@ -4811,9 +5114,9 @@
           <a:bodyPr/>
           <a:lstStyle/>
           <a:p>
-            <a:fld id="{3C6499D0-5374-A949-95D1-ED8B72934ACD}" type="datetime1">
+            <a:fld id="{951D50B2-FCDF-3248-90E7-B55C9AE895A2}" type="datetime1">
               <a:rPr kumimoji="1" lang="ja-JP" altLang="en-US" smtClean="0"/>
-              <a:t>2023/1/25</a:t>
+              <a:t>2023/2/2</a:t>
             </a:fld>
             <a:endParaRPr kumimoji="1" lang="ja-JP" altLang="en-US"/>
           </a:p>
@@ -4824,7 +5127,7 @@
           <p:cNvPr id="5" name="スライド番号プレースホルダー 4">
             <a:extLst>
               <a:ext uri="{FF2B5EF4-FFF2-40B4-BE49-F238E27FC236}">
-                <a16:creationId xmlns:a16="http://schemas.microsoft.com/office/drawing/2014/main" id="{A08CA560-C6C3-9A51-5550-A4B8CC267E2F}"/>
+                <a16:creationId xmlns:a16="http://schemas.microsoft.com/office/drawing/2014/main" id="{D3A0AE3A-8257-53C0-CDB3-D69CDB0B14BF}"/>
               </a:ext>
             </a:extLst>
           </p:cNvPr>
@@ -4848,45 +5151,10 @@
           </a:p>
         </p:txBody>
       </p:sp>
-      <p:sp>
-        <p:nvSpPr>
-          <p:cNvPr id="6" name="テキスト ボックス 5">
-            <a:extLst>
-              <a:ext uri="{FF2B5EF4-FFF2-40B4-BE49-F238E27FC236}">
-                <a16:creationId xmlns:a16="http://schemas.microsoft.com/office/drawing/2014/main" id="{FCEFB62A-8DF7-604D-48AD-3986A96659E4}"/>
-              </a:ext>
-            </a:extLst>
-          </p:cNvPr>
-          <p:cNvSpPr txBox="1"/>
-          <p:nvPr/>
-        </p:nvSpPr>
-        <p:spPr>
-          <a:xfrm>
-            <a:off x="838200" y="1778609"/>
-            <a:ext cx="1415772" cy="461665"/>
-          </a:xfrm>
-          <a:prstGeom prst="rect">
-            <a:avLst/>
-          </a:prstGeom>
-          <a:noFill/>
-        </p:spPr>
-        <p:txBody>
-          <a:bodyPr wrap="none" rtlCol="0">
-            <a:spAutoFit/>
-          </a:bodyPr>
-          <a:lstStyle/>
-          <a:p>
-            <a:r>
-              <a:rPr kumimoji="1" lang="ja-JP" altLang="en-US" sz="2400"/>
-              <a:t>更新情報</a:t>
-            </a:r>
-          </a:p>
-        </p:txBody>
-      </p:sp>
     </p:spTree>
     <p:extLst>
       <p:ext uri="{BB962C8B-B14F-4D97-AF65-F5344CB8AC3E}">
-        <p14:creationId xmlns:p14="http://schemas.microsoft.com/office/powerpoint/2010/main" val="1299576263"/>
+        <p14:creationId xmlns:p14="http://schemas.microsoft.com/office/powerpoint/2010/main" val="1001257001"/>
       </p:ext>
     </p:extLst>
   </p:cSld>
@@ -4918,7 +5186,7 @@
           <p:cNvPr id="2" name="タイトル 1">
             <a:extLst>
               <a:ext uri="{FF2B5EF4-FFF2-40B4-BE49-F238E27FC236}">
-                <a16:creationId xmlns:a16="http://schemas.microsoft.com/office/drawing/2014/main" id="{151EA560-3665-1B98-459B-475395FB86F2}"/>
+                <a16:creationId xmlns:a16="http://schemas.microsoft.com/office/drawing/2014/main" id="{FBB415C9-4345-C2C6-E7B6-A2ED9E621805}"/>
               </a:ext>
             </a:extLst>
           </p:cNvPr>
@@ -4935,70 +5203,76 @@
           <a:lstStyle/>
           <a:p>
             <a:r>
-              <a:rPr kumimoji="1" lang="en-US" altLang="ja-JP" dirty="0"/>
-              <a:t>1. </a:t>
-            </a:r>
+              <a:rPr kumimoji="1" lang="ja-JP" altLang="en-US"/>
+              <a:t>目次</a:t>
+            </a:r>
+          </a:p>
+        </p:txBody>
+      </p:sp>
+      <p:sp>
+        <p:nvSpPr>
+          <p:cNvPr id="3" name="コンテンツ プレースホルダー 2">
+            <a:extLst>
+              <a:ext uri="{FF2B5EF4-FFF2-40B4-BE49-F238E27FC236}">
+                <a16:creationId xmlns:a16="http://schemas.microsoft.com/office/drawing/2014/main" id="{F0EE5032-D913-0DF7-0EC1-E87825DC81F9}"/>
+              </a:ext>
+            </a:extLst>
+          </p:cNvPr>
+          <p:cNvSpPr>
+            <a:spLocks noGrp="1"/>
+          </p:cNvSpPr>
+          <p:nvPr>
+            <p:ph idx="1"/>
+          </p:nvPr>
+        </p:nvSpPr>
+        <p:spPr>
+          <a:xfrm>
+            <a:off x="838200" y="2864123"/>
+            <a:ext cx="10515600" cy="4351338"/>
+          </a:xfrm>
+        </p:spPr>
+        <p:txBody>
+          <a:bodyPr/>
+          <a:lstStyle/>
+          <a:p>
+            <a:pPr marL="514350" indent="-514350">
+              <a:buFont typeface="+mj-lt"/>
+              <a:buAutoNum type="arabicPeriod"/>
+            </a:pPr>
             <a:r>
               <a:rPr kumimoji="1" lang="ja-JP" altLang="en-US"/>
               <a:t>目的</a:t>
             </a:r>
-          </a:p>
-        </p:txBody>
-      </p:sp>
-      <p:sp>
-        <p:nvSpPr>
-          <p:cNvPr id="3" name="コンテンツ プレースホルダー 2">
-            <a:extLst>
-              <a:ext uri="{FF2B5EF4-FFF2-40B4-BE49-F238E27FC236}">
-                <a16:creationId xmlns:a16="http://schemas.microsoft.com/office/drawing/2014/main" id="{8A94341E-1D69-AB12-3A85-40E8FF652B22}"/>
-              </a:ext>
-            </a:extLst>
-          </p:cNvPr>
-          <p:cNvSpPr>
-            <a:spLocks noGrp="1"/>
-          </p:cNvSpPr>
-          <p:nvPr>
-            <p:ph idx="1"/>
-          </p:nvPr>
-        </p:nvSpPr>
-        <p:spPr/>
-        <p:txBody>
-          <a:bodyPr/>
-          <a:lstStyle/>
-          <a:p>
-            <a:r>
-              <a:rPr kumimoji="1" lang="ja-JP" altLang="en-US"/>
-              <a:t>めざせ不労所得</a:t>
-            </a:r>
             <a:endParaRPr kumimoji="1" lang="en-US" altLang="ja-JP" dirty="0"/>
           </a:p>
           <a:p>
+            <a:pPr marL="514350" indent="-514350">
+              <a:buFont typeface="+mj-lt"/>
+              <a:buAutoNum type="arabicPeriod"/>
+            </a:pPr>
+            <a:r>
+              <a:rPr lang="ja-JP" altLang="en-US"/>
+              <a:t>ディレクトリ構成</a:t>
+            </a:r>
+            <a:endParaRPr kumimoji="1" lang="en-US" altLang="ja-JP" dirty="0"/>
+          </a:p>
+          <a:p>
+            <a:pPr marL="514350" indent="-514350">
+              <a:buFont typeface="+mj-lt"/>
+              <a:buAutoNum type="arabicPeriod"/>
+            </a:pPr>
+            <a:r>
+              <a:rPr kumimoji="1" lang="ja-JP" altLang="en-US"/>
+              <a:t>ライブラリと使用法</a:t>
+            </a:r>
+            <a:endParaRPr kumimoji="1" lang="en-US" altLang="ja-JP" dirty="0"/>
+          </a:p>
+          <a:p>
+            <a:pPr marL="0" indent="0">
+              <a:buNone/>
+            </a:pPr>
             <a:endParaRPr lang="en-US" altLang="ja-JP" dirty="0"/>
           </a:p>
-          <a:p>
-            <a:r>
-              <a:rPr kumimoji="1" lang="ja-JP" altLang="en-US"/>
-              <a:t>ラインから</a:t>
-            </a:r>
-            <a:r>
-              <a:rPr kumimoji="1" lang="en-US" altLang="ja-JP" dirty="0"/>
-              <a:t>60</a:t>
-            </a:r>
-            <a:r>
-              <a:rPr kumimoji="1" lang="ja-JP" altLang="en-US"/>
-              <a:t>秒で始められる高収入バイト</a:t>
-            </a:r>
-            <a:endParaRPr kumimoji="1" lang="en-US" altLang="ja-JP" dirty="0"/>
-          </a:p>
-          <a:p>
-            <a:endParaRPr lang="en-US" altLang="ja-JP" dirty="0"/>
-          </a:p>
-          <a:p>
-            <a:r>
-              <a:rPr kumimoji="1" lang="ja-JP" altLang="en-US"/>
-              <a:t>万馬券を当てよう</a:t>
-            </a:r>
-          </a:p>
         </p:txBody>
       </p:sp>
       <p:sp>
@@ -5006,7 +5280,7 @@
           <p:cNvPr id="4" name="日付プレースホルダー 3">
             <a:extLst>
               <a:ext uri="{FF2B5EF4-FFF2-40B4-BE49-F238E27FC236}">
-                <a16:creationId xmlns:a16="http://schemas.microsoft.com/office/drawing/2014/main" id="{D71BFBD1-D963-B8FA-279C-B915CEF061DD}"/>
+                <a16:creationId xmlns:a16="http://schemas.microsoft.com/office/drawing/2014/main" id="{767AFC97-8DE8-12C7-D6DE-329065CFAEC5}"/>
               </a:ext>
             </a:extLst>
           </p:cNvPr>
@@ -5022,9 +5296,9 @@
           <a:bodyPr/>
           <a:lstStyle/>
           <a:p>
-            <a:fld id="{951D50B2-FCDF-3248-90E7-B55C9AE895A2}" type="datetime1">
+            <a:fld id="{3C6499D0-5374-A949-95D1-ED8B72934ACD}" type="datetime1">
               <a:rPr kumimoji="1" lang="ja-JP" altLang="en-US" smtClean="0"/>
-              <a:t>2023/1/25</a:t>
+              <a:t>2023/2/2</a:t>
             </a:fld>
             <a:endParaRPr kumimoji="1" lang="ja-JP" altLang="en-US"/>
           </a:p>
@@ -5035,7 +5309,7 @@
           <p:cNvPr id="5" name="スライド番号プレースホルダー 4">
             <a:extLst>
               <a:ext uri="{FF2B5EF4-FFF2-40B4-BE49-F238E27FC236}">
-                <a16:creationId xmlns:a16="http://schemas.microsoft.com/office/drawing/2014/main" id="{4CF0390F-813A-CEFB-1A06-54CA554677C7}"/>
+                <a16:creationId xmlns:a16="http://schemas.microsoft.com/office/drawing/2014/main" id="{A08CA560-C6C3-9A51-5550-A4B8CC267E2F}"/>
               </a:ext>
             </a:extLst>
           </p:cNvPr>
@@ -5059,10 +5333,53 @@
           </a:p>
         </p:txBody>
       </p:sp>
+      <p:sp>
+        <p:nvSpPr>
+          <p:cNvPr id="6" name="テキスト ボックス 5">
+            <a:extLst>
+              <a:ext uri="{FF2B5EF4-FFF2-40B4-BE49-F238E27FC236}">
+                <a16:creationId xmlns:a16="http://schemas.microsoft.com/office/drawing/2014/main" id="{FCEFB62A-8DF7-604D-48AD-3986A96659E4}"/>
+              </a:ext>
+            </a:extLst>
+          </p:cNvPr>
+          <p:cNvSpPr txBox="1"/>
+          <p:nvPr/>
+        </p:nvSpPr>
+        <p:spPr>
+          <a:xfrm>
+            <a:off x="838200" y="1778609"/>
+            <a:ext cx="2031325" cy="830997"/>
+          </a:xfrm>
+          <a:prstGeom prst="rect">
+            <a:avLst/>
+          </a:prstGeom>
+          <a:noFill/>
+        </p:spPr>
+        <p:txBody>
+          <a:bodyPr wrap="none" rtlCol="0">
+            <a:spAutoFit/>
+          </a:bodyPr>
+          <a:lstStyle/>
+          <a:p>
+            <a:r>
+              <a:rPr kumimoji="1" lang="ja-JP" altLang="en-US" sz="2400"/>
+              <a:t>更新情報</a:t>
+            </a:r>
+            <a:endParaRPr kumimoji="1" lang="en-US" altLang="ja-JP" sz="2400" dirty="0"/>
+          </a:p>
+          <a:p>
+            <a:r>
+              <a:rPr lang="ja-JP" altLang="en-US" sz="2400"/>
+              <a:t>ロードマップ</a:t>
+            </a:r>
+            <a:endParaRPr kumimoji="1" lang="ja-JP" altLang="en-US" sz="2400"/>
+          </a:p>
+        </p:txBody>
+      </p:sp>
     </p:spTree>
     <p:extLst>
       <p:ext uri="{BB962C8B-B14F-4D97-AF65-F5344CB8AC3E}">
-        <p14:creationId xmlns:p14="http://schemas.microsoft.com/office/powerpoint/2010/main" val="2093956727"/>
+        <p14:creationId xmlns:p14="http://schemas.microsoft.com/office/powerpoint/2010/main" val="1299576263"/>
       </p:ext>
     </p:extLst>
   </p:cSld>
@@ -5094,7 +5411,7 @@
           <p:cNvPr id="2" name="タイトル 1">
             <a:extLst>
               <a:ext uri="{FF2B5EF4-FFF2-40B4-BE49-F238E27FC236}">
-                <a16:creationId xmlns:a16="http://schemas.microsoft.com/office/drawing/2014/main" id="{F6BDA730-66F8-AB1C-DDB8-863540F3FBAC}"/>
+                <a16:creationId xmlns:a16="http://schemas.microsoft.com/office/drawing/2014/main" id="{151EA560-3665-1B98-459B-475395FB86F2}"/>
               </a:ext>
             </a:extLst>
           </p:cNvPr>
@@ -5111,14 +5428,69 @@
           <a:lstStyle/>
           <a:p>
             <a:r>
-              <a:rPr lang="en-US" altLang="ja-JP" dirty="0"/>
-              <a:t>2. </a:t>
-            </a:r>
-            <a:r>
-              <a:rPr lang="ja-JP" altLang="en-US"/>
-              <a:t>ディレクトリ構成</a:t>
-            </a:r>
-            <a:endParaRPr kumimoji="1" lang="ja-JP" altLang="en-US"/>
+              <a:rPr kumimoji="1" lang="en-US" altLang="ja-JP" dirty="0"/>
+              <a:t>1. </a:t>
+            </a:r>
+            <a:r>
+              <a:rPr kumimoji="1" lang="ja-JP" altLang="en-US"/>
+              <a:t>目的</a:t>
+            </a:r>
+          </a:p>
+        </p:txBody>
+      </p:sp>
+      <p:sp>
+        <p:nvSpPr>
+          <p:cNvPr id="3" name="コンテンツ プレースホルダー 2">
+            <a:extLst>
+              <a:ext uri="{FF2B5EF4-FFF2-40B4-BE49-F238E27FC236}">
+                <a16:creationId xmlns:a16="http://schemas.microsoft.com/office/drawing/2014/main" id="{8A94341E-1D69-AB12-3A85-40E8FF652B22}"/>
+              </a:ext>
+            </a:extLst>
+          </p:cNvPr>
+          <p:cNvSpPr>
+            <a:spLocks noGrp="1"/>
+          </p:cNvSpPr>
+          <p:nvPr>
+            <p:ph idx="1"/>
+          </p:nvPr>
+        </p:nvSpPr>
+        <p:spPr/>
+        <p:txBody>
+          <a:bodyPr/>
+          <a:lstStyle/>
+          <a:p>
+            <a:r>
+              <a:rPr kumimoji="1" lang="ja-JP" altLang="en-US"/>
+              <a:t>めざせ不労所得</a:t>
+            </a:r>
+            <a:endParaRPr kumimoji="1" lang="en-US" altLang="ja-JP" dirty="0"/>
+          </a:p>
+          <a:p>
+            <a:endParaRPr lang="en-US" altLang="ja-JP" dirty="0"/>
+          </a:p>
+          <a:p>
+            <a:r>
+              <a:rPr kumimoji="1" lang="ja-JP" altLang="en-US"/>
+              <a:t>ラインから</a:t>
+            </a:r>
+            <a:r>
+              <a:rPr kumimoji="1" lang="en-US" altLang="ja-JP" dirty="0"/>
+              <a:t>60</a:t>
+            </a:r>
+            <a:r>
+              <a:rPr kumimoji="1" lang="ja-JP" altLang="en-US"/>
+              <a:t>秒で始められる高収入バイト</a:t>
+            </a:r>
+            <a:endParaRPr kumimoji="1" lang="en-US" altLang="ja-JP" dirty="0"/>
+          </a:p>
+          <a:p>
+            <a:endParaRPr lang="en-US" altLang="ja-JP" dirty="0"/>
+          </a:p>
+          <a:p>
+            <a:r>
+              <a:rPr kumimoji="1" lang="ja-JP" altLang="en-US"/>
+              <a:t>万馬券を当てよう</a:t>
+            </a:r>
           </a:p>
         </p:txBody>
       </p:sp>
@@ -5127,7 +5499,7 @@
           <p:cNvPr id="4" name="日付プレースホルダー 3">
             <a:extLst>
               <a:ext uri="{FF2B5EF4-FFF2-40B4-BE49-F238E27FC236}">
-                <a16:creationId xmlns:a16="http://schemas.microsoft.com/office/drawing/2014/main" id="{228D6F9C-A3F5-BC89-3887-800981ACEC79}"/>
+                <a16:creationId xmlns:a16="http://schemas.microsoft.com/office/drawing/2014/main" id="{D71BFBD1-D963-B8FA-279C-B915CEF061DD}"/>
               </a:ext>
             </a:extLst>
           </p:cNvPr>
@@ -5145,7 +5517,7 @@
           <a:p>
             <a:fld id="{951D50B2-FCDF-3248-90E7-B55C9AE895A2}" type="datetime1">
               <a:rPr kumimoji="1" lang="ja-JP" altLang="en-US" smtClean="0"/>
-              <a:t>2023/1/25</a:t>
+              <a:t>2023/2/2</a:t>
             </a:fld>
             <a:endParaRPr kumimoji="1" lang="ja-JP" altLang="en-US"/>
           </a:p>
@@ -5156,7 +5528,7 @@
           <p:cNvPr id="5" name="スライド番号プレースホルダー 4">
             <a:extLst>
               <a:ext uri="{FF2B5EF4-FFF2-40B4-BE49-F238E27FC236}">
-                <a16:creationId xmlns:a16="http://schemas.microsoft.com/office/drawing/2014/main" id="{6A67535B-1B8B-A22B-B62A-BD6C9B0284D0}"/>
+                <a16:creationId xmlns:a16="http://schemas.microsoft.com/office/drawing/2014/main" id="{4CF0390F-813A-CEFB-1A06-54CA554677C7}"/>
               </a:ext>
             </a:extLst>
           </p:cNvPr>
@@ -5180,73 +5552,10 @@
           </a:p>
         </p:txBody>
       </p:sp>
-      <p:pic>
-        <p:nvPicPr>
-          <p:cNvPr id="11" name="コンテンツ プレースホルダー 10">
-            <a:extLst>
-              <a:ext uri="{FF2B5EF4-FFF2-40B4-BE49-F238E27FC236}">
-                <a16:creationId xmlns:a16="http://schemas.microsoft.com/office/drawing/2014/main" id="{A355F356-9131-0BE3-5D4E-CCFAD0E51958}"/>
-              </a:ext>
-            </a:extLst>
-          </p:cNvPr>
-          <p:cNvPicPr>
-            <a:picLocks noGrp="1" noChangeAspect="1"/>
-          </p:cNvPicPr>
-          <p:nvPr>
-            <p:ph idx="1"/>
-          </p:nvPr>
-        </p:nvPicPr>
-        <p:blipFill rotWithShape="1">
-          <a:blip r:embed="rId2"/>
-          <a:srcRect r="214" b="87608"/>
-          <a:stretch/>
-        </p:blipFill>
-        <p:spPr>
-          <a:xfrm>
-            <a:off x="228600" y="3603571"/>
-            <a:ext cx="5867400" cy="1120767"/>
-          </a:xfrm>
-        </p:spPr>
-      </p:pic>
-      <p:sp>
-        <p:nvSpPr>
-          <p:cNvPr id="12" name="テキスト ボックス 11">
-            <a:extLst>
-              <a:ext uri="{FF2B5EF4-FFF2-40B4-BE49-F238E27FC236}">
-                <a16:creationId xmlns:a16="http://schemas.microsoft.com/office/drawing/2014/main" id="{0D8EAC88-A193-B06C-089E-845943052348}"/>
-              </a:ext>
-            </a:extLst>
-          </p:cNvPr>
-          <p:cNvSpPr txBox="1"/>
-          <p:nvPr/>
-        </p:nvSpPr>
-        <p:spPr>
-          <a:xfrm>
-            <a:off x="1030014" y="2312276"/>
-            <a:ext cx="1569660" cy="369332"/>
-          </a:xfrm>
-          <a:prstGeom prst="rect">
-            <a:avLst/>
-          </a:prstGeom>
-          <a:noFill/>
-        </p:spPr>
-        <p:txBody>
-          <a:bodyPr wrap="none" rtlCol="0">
-            <a:spAutoFit/>
-          </a:bodyPr>
-          <a:lstStyle/>
-          <a:p>
-            <a:r>
-              <a:rPr kumimoji="1" lang="ja-JP" altLang="en-US"/>
-              <a:t>データベース</a:t>
-            </a:r>
-          </a:p>
-        </p:txBody>
-      </p:sp>
     </p:spTree>
     <p:extLst>
       <p:ext uri="{BB962C8B-B14F-4D97-AF65-F5344CB8AC3E}">
-        <p14:creationId xmlns:p14="http://schemas.microsoft.com/office/powerpoint/2010/main" val="4150751562"/>
+        <p14:creationId xmlns:p14="http://schemas.microsoft.com/office/powerpoint/2010/main" val="2093956727"/>
       </p:ext>
     </p:extLst>
   </p:cSld>
@@ -5278,7 +5587,7 @@
           <p:cNvPr id="2" name="タイトル 1">
             <a:extLst>
               <a:ext uri="{FF2B5EF4-FFF2-40B4-BE49-F238E27FC236}">
-                <a16:creationId xmlns:a16="http://schemas.microsoft.com/office/drawing/2014/main" id="{E1C1DDA3-814A-0DC5-3E9F-A2392702BDC0}"/>
+                <a16:creationId xmlns:a16="http://schemas.microsoft.com/office/drawing/2014/main" id="{F6BDA730-66F8-AB1C-DDB8-863540F3FBAC}"/>
               </a:ext>
             </a:extLst>
           </p:cNvPr>
@@ -5295,13 +5604,14 @@
           <a:lstStyle/>
           <a:p>
             <a:r>
-              <a:rPr kumimoji="1" lang="en-US" altLang="ja-JP" dirty="0"/>
+              <a:rPr lang="en-US" altLang="ja-JP" dirty="0"/>
               <a:t>2. </a:t>
             </a:r>
             <a:r>
-              <a:rPr kumimoji="1" lang="ja-JP" altLang="en-US"/>
+              <a:rPr lang="ja-JP" altLang="en-US"/>
               <a:t>ディレクトリ構成</a:t>
             </a:r>
+            <a:endParaRPr kumimoji="1" lang="ja-JP" altLang="en-US"/>
           </a:p>
         </p:txBody>
       </p:sp>
@@ -5310,7 +5620,7 @@
           <p:cNvPr id="4" name="日付プレースホルダー 3">
             <a:extLst>
               <a:ext uri="{FF2B5EF4-FFF2-40B4-BE49-F238E27FC236}">
-                <a16:creationId xmlns:a16="http://schemas.microsoft.com/office/drawing/2014/main" id="{AA9F4A91-3079-D5F0-F10D-6C6B3E427346}"/>
+                <a16:creationId xmlns:a16="http://schemas.microsoft.com/office/drawing/2014/main" id="{228D6F9C-A3F5-BC89-3887-800981ACEC79}"/>
               </a:ext>
             </a:extLst>
           </p:cNvPr>
@@ -5328,7 +5638,7 @@
           <a:p>
             <a:fld id="{951D50B2-FCDF-3248-90E7-B55C9AE895A2}" type="datetime1">
               <a:rPr kumimoji="1" lang="ja-JP" altLang="en-US" smtClean="0"/>
-              <a:t>2023/1/25</a:t>
+              <a:t>2023/2/2</a:t>
             </a:fld>
             <a:endParaRPr kumimoji="1" lang="ja-JP" altLang="en-US"/>
           </a:p>
@@ -5339,7 +5649,7 @@
           <p:cNvPr id="5" name="スライド番号プレースホルダー 4">
             <a:extLst>
               <a:ext uri="{FF2B5EF4-FFF2-40B4-BE49-F238E27FC236}">
-                <a16:creationId xmlns:a16="http://schemas.microsoft.com/office/drawing/2014/main" id="{48C58048-EAD8-AA5E-9D73-D1AEAB180E2F}"/>
+                <a16:creationId xmlns:a16="http://schemas.microsoft.com/office/drawing/2014/main" id="{6A67535B-1B8B-A22B-B62A-BD6C9B0284D0}"/>
               </a:ext>
             </a:extLst>
           </p:cNvPr>
@@ -5365,39 +5675,38 @@
       </p:sp>
       <p:pic>
         <p:nvPicPr>
-          <p:cNvPr id="8" name="コンテンツ プレースホルダー 6">
-            <a:extLst>
-              <a:ext uri="{FF2B5EF4-FFF2-40B4-BE49-F238E27FC236}">
-                <a16:creationId xmlns:a16="http://schemas.microsoft.com/office/drawing/2014/main" id="{9DDF7573-1238-6419-0ECB-7EF4876EBAEF}"/>
+          <p:cNvPr id="11" name="コンテンツ プレースホルダー 10">
+            <a:extLst>
+              <a:ext uri="{FF2B5EF4-FFF2-40B4-BE49-F238E27FC236}">
+                <a16:creationId xmlns:a16="http://schemas.microsoft.com/office/drawing/2014/main" id="{A355F356-9131-0BE3-5D4E-CCFAD0E51958}"/>
               </a:ext>
             </a:extLst>
           </p:cNvPr>
           <p:cNvPicPr>
-            <a:picLocks noChangeAspect="1"/>
+            <a:picLocks noGrp="1" noChangeAspect="1"/>
           </p:cNvPicPr>
-          <p:nvPr/>
+          <p:nvPr>
+            <p:ph idx="1"/>
+          </p:nvPr>
         </p:nvPicPr>
         <p:blipFill rotWithShape="1">
           <a:blip r:embed="rId2"/>
-          <a:srcRect t="13342" b="4123"/>
+          <a:srcRect r="214" b="87608"/>
           <a:stretch/>
         </p:blipFill>
         <p:spPr>
           <a:xfrm>
-            <a:off x="640341" y="1366345"/>
-            <a:ext cx="3863697" cy="4905211"/>
+            <a:off x="228600" y="3603571"/>
+            <a:ext cx="5867400" cy="1120767"/>
           </a:xfrm>
-          <a:prstGeom prst="rect">
-            <a:avLst/>
-          </a:prstGeom>
         </p:spPr>
       </p:pic>
       <p:sp>
         <p:nvSpPr>
-          <p:cNvPr id="11" name="テキスト ボックス 10">
-            <a:extLst>
-              <a:ext uri="{FF2B5EF4-FFF2-40B4-BE49-F238E27FC236}">
-                <a16:creationId xmlns:a16="http://schemas.microsoft.com/office/drawing/2014/main" id="{DDAF93BA-0BF5-F43F-6CED-0D92513085BF}"/>
+          <p:cNvPr id="12" name="テキスト ボックス 11">
+            <a:extLst>
+              <a:ext uri="{FF2B5EF4-FFF2-40B4-BE49-F238E27FC236}">
+                <a16:creationId xmlns:a16="http://schemas.microsoft.com/office/drawing/2014/main" id="{0D8EAC88-A193-B06C-089E-845943052348}"/>
               </a:ext>
             </a:extLst>
           </p:cNvPr>
@@ -5406,8 +5715,8 @@
         </p:nvSpPr>
         <p:spPr>
           <a:xfrm>
-            <a:off x="4794026" y="1912881"/>
-            <a:ext cx="6269785" cy="1200329"/>
+            <a:off x="1030014" y="2312276"/>
+            <a:ext cx="1569660" cy="369332"/>
           </a:xfrm>
           <a:prstGeom prst="rect">
             <a:avLst/>
@@ -5415,125 +5724,22 @@
           <a:noFill/>
         </p:spPr>
         <p:txBody>
-          <a:bodyPr wrap="square" rtlCol="0">
+          <a:bodyPr wrap="none" rtlCol="0">
             <a:spAutoFit/>
           </a:bodyPr>
           <a:lstStyle/>
           <a:p>
-            <a:pPr marL="285750" indent="-285750">
-              <a:buFont typeface="Arial" panose="020B0604020202020204" pitchFamily="34" charset="0"/>
-              <a:buChar char="•"/>
-            </a:pPr>
-            <a:r>
-              <a:rPr kumimoji="1" lang="ja-JP" altLang="en-US"/>
-              <a:t>今</a:t>
-            </a:r>
-            <a:r>
-              <a:rPr kumimoji="1" lang="en-US" altLang="ja-JP" dirty="0"/>
-              <a:t> </a:t>
-            </a:r>
-            <a:r>
-              <a:rPr kumimoji="1" lang="en-US" altLang="ja-JP" dirty="0" err="1"/>
-              <a:t>horse.py</a:t>
-            </a:r>
-            <a:r>
-              <a:rPr kumimoji="1" lang="en-US" altLang="ja-JP" dirty="0"/>
-              <a:t> </a:t>
-            </a:r>
-            <a:r>
-              <a:rPr kumimoji="1" lang="ja-JP" altLang="en-US"/>
-              <a:t>にベタ書きしてる</a:t>
-            </a:r>
-            <a:r>
-              <a:rPr kumimoji="1" lang="en-US" altLang="ja-JP" dirty="0"/>
-              <a:t> class </a:t>
-            </a:r>
-            <a:r>
-              <a:rPr kumimoji="1" lang="ja-JP" altLang="en-US"/>
-              <a:t>や</a:t>
-            </a:r>
-            <a:r>
-              <a:rPr kumimoji="1" lang="en-US" altLang="ja-JP" dirty="0"/>
-              <a:t> </a:t>
-            </a:r>
-            <a:r>
-              <a:rPr kumimoji="1" lang="en-US" altLang="ja-JP" dirty="0" err="1"/>
-              <a:t>func</a:t>
-            </a:r>
-            <a:r>
-              <a:rPr kumimoji="1" lang="en-US" altLang="ja-JP" dirty="0"/>
-              <a:t> </a:t>
-            </a:r>
-            <a:r>
-              <a:rPr kumimoji="1" lang="ja-JP" altLang="en-US"/>
-              <a:t>を順次</a:t>
-            </a:r>
-            <a:r>
-              <a:rPr lang="en-US" altLang="ja-JP" dirty="0" err="1"/>
-              <a:t>my_libraly</a:t>
-            </a:r>
-            <a:r>
-              <a:rPr lang="en-US" altLang="ja-JP" dirty="0"/>
-              <a:t>/</a:t>
-            </a:r>
-            <a:r>
-              <a:rPr lang="en-US" altLang="ja-JP" dirty="0" err="1"/>
-              <a:t>my_modules</a:t>
-            </a:r>
-            <a:r>
-              <a:rPr lang="en-US" altLang="ja-JP" dirty="0"/>
-              <a:t> </a:t>
-            </a:r>
-            <a:r>
-              <a:rPr lang="ja-JP" altLang="en-US"/>
-              <a:t>に移行する予定</a:t>
-            </a:r>
-            <a:endParaRPr lang="en-US" altLang="ja-JP" dirty="0"/>
-          </a:p>
-          <a:p>
-            <a:pPr marL="285750" indent="-285750">
-              <a:buFont typeface="Arial" panose="020B0604020202020204" pitchFamily="34" charset="0"/>
-              <a:buChar char="•"/>
-            </a:pPr>
-            <a:r>
-              <a:rPr lang="ja-JP" altLang="en-US"/>
-              <a:t>現在は</a:t>
-            </a:r>
-            <a:r>
-              <a:rPr lang="en-US" altLang="ja-JP" dirty="0"/>
-              <a:t> </a:t>
-            </a:r>
-            <a:r>
-              <a:rPr lang="en-US" altLang="ja-JP" dirty="0" err="1"/>
-              <a:t>my_library</a:t>
-            </a:r>
-            <a:r>
-              <a:rPr lang="en-US" altLang="ja-JP" dirty="0"/>
-              <a:t>/</a:t>
-            </a:r>
-            <a:r>
-              <a:rPr lang="en-US" altLang="ja-JP" dirty="0" err="1"/>
-              <a:t>horse.py</a:t>
-            </a:r>
-            <a:r>
-              <a:rPr lang="en-US" altLang="ja-JP" dirty="0"/>
-              <a:t> </a:t>
-            </a:r>
-            <a:r>
-              <a:rPr lang="ja-JP" altLang="en-US"/>
-              <a:t>でよく使う奴らを定義</a:t>
-            </a:r>
-            <a:endParaRPr lang="en-US" altLang="ja-JP" dirty="0"/>
-          </a:p>
-          <a:p>
-            <a:endParaRPr kumimoji="1" lang="ja-JP" altLang="en-US"/>
+            <a:r>
+              <a:rPr kumimoji="1" lang="ja-JP" altLang="en-US"/>
+              <a:t>データベース</a:t>
+            </a:r>
           </a:p>
         </p:txBody>
       </p:sp>
     </p:spTree>
     <p:extLst>
       <p:ext uri="{BB962C8B-B14F-4D97-AF65-F5344CB8AC3E}">
-        <p14:creationId xmlns:p14="http://schemas.microsoft.com/office/powerpoint/2010/main" val="3244643516"/>
+        <p14:creationId xmlns:p14="http://schemas.microsoft.com/office/powerpoint/2010/main" val="4150751562"/>
       </p:ext>
     </p:extLst>
   </p:cSld>
@@ -5565,7 +5771,7 @@
           <p:cNvPr id="2" name="タイトル 1">
             <a:extLst>
               <a:ext uri="{FF2B5EF4-FFF2-40B4-BE49-F238E27FC236}">
-                <a16:creationId xmlns:a16="http://schemas.microsoft.com/office/drawing/2014/main" id="{AD70ED31-6997-866B-06C5-0E6EAA63B1A0}"/>
+                <a16:creationId xmlns:a16="http://schemas.microsoft.com/office/drawing/2014/main" id="{E1C1DDA3-814A-0DC5-3E9F-A2392702BDC0}"/>
               </a:ext>
             </a:extLst>
           </p:cNvPr>
@@ -5576,189 +5782,19 @@
             <p:ph type="title"/>
           </p:nvPr>
         </p:nvSpPr>
-        <p:spPr>
-          <a:xfrm>
-            <a:off x="838200" y="365125"/>
-            <a:ext cx="10817772" cy="1325563"/>
-          </a:xfrm>
-        </p:spPr>
-        <p:txBody>
-          <a:bodyPr>
-            <a:normAutofit/>
-          </a:bodyPr>
-          <a:lstStyle/>
-          <a:p>
-            <a:r>
-              <a:rPr lang="en-US" altLang="ja-JP" sz="4000" dirty="0"/>
-              <a:t>3</a:t>
-            </a:r>
-            <a:r>
-              <a:rPr kumimoji="1" lang="en-US" altLang="ja-JP" sz="4000" dirty="0"/>
-              <a:t>. </a:t>
-            </a:r>
-            <a:r>
-              <a:rPr kumimoji="1" lang="ja-JP" altLang="en-US" sz="4000"/>
-              <a:t>ライブラリと使用法</a:t>
-            </a:r>
-            <a:r>
-              <a:rPr kumimoji="1" lang="en-US" altLang="ja-JP" sz="4000" dirty="0"/>
-              <a:t> (</a:t>
-            </a:r>
-            <a:r>
-              <a:rPr kumimoji="1" lang="ja-JP" altLang="en-US" sz="4000"/>
-              <a:t>主に使ってるやつね</a:t>
-            </a:r>
-            <a:r>
-              <a:rPr kumimoji="1" lang="en-US" altLang="ja-JP" sz="4000" dirty="0"/>
-              <a:t>)</a:t>
-            </a:r>
-            <a:endParaRPr kumimoji="1" lang="ja-JP" altLang="en-US" sz="4000"/>
-          </a:p>
-        </p:txBody>
-      </p:sp>
-      <p:sp>
-        <p:nvSpPr>
-          <p:cNvPr id="3" name="コンテンツ プレースホルダー 2">
-            <a:extLst>
-              <a:ext uri="{FF2B5EF4-FFF2-40B4-BE49-F238E27FC236}">
-                <a16:creationId xmlns:a16="http://schemas.microsoft.com/office/drawing/2014/main" id="{D7CE56C2-6BF2-BE54-A7ED-0A61FFE4549F}"/>
-              </a:ext>
-            </a:extLst>
-          </p:cNvPr>
-          <p:cNvSpPr>
-            <a:spLocks noGrp="1"/>
-          </p:cNvSpPr>
-          <p:nvPr>
-            <p:ph idx="1"/>
-          </p:nvPr>
-        </p:nvSpPr>
-        <p:spPr/>
-        <p:txBody>
-          <a:bodyPr>
-            <a:normAutofit fontScale="92500" lnSpcReduction="10000"/>
-          </a:bodyPr>
-          <a:lstStyle/>
-          <a:p>
-            <a:pPr marL="0" indent="0">
-              <a:buNone/>
-            </a:pPr>
+        <p:spPr/>
+        <p:txBody>
+          <a:bodyPr/>
+          <a:lstStyle/>
+          <a:p>
             <a:r>
               <a:rPr kumimoji="1" lang="en-US" altLang="ja-JP" dirty="0"/>
-              <a:t>class </a:t>
-            </a:r>
-            <a:r>
-              <a:rPr kumimoji="1" lang="en-US" altLang="ja-JP" dirty="0" err="1"/>
-              <a:t>HorseResults</a:t>
-            </a:r>
-            <a:r>
-              <a:rPr kumimoji="1" lang="en-US" altLang="ja-JP" dirty="0"/>
-              <a:t> </a:t>
-            </a:r>
-          </a:p>
-          <a:p>
-            <a:pPr marL="457200" lvl="1" indent="0">
-              <a:buNone/>
-            </a:pPr>
-            <a:r>
-              <a:rPr kumimoji="1" lang="en-US" altLang="ja-JP" dirty="0" err="1"/>
-              <a:t>horse_results</a:t>
-            </a:r>
-            <a:r>
-              <a:rPr kumimoji="1" lang="en-US" altLang="ja-JP" dirty="0"/>
-              <a:t> </a:t>
-            </a:r>
-            <a:r>
-              <a:rPr kumimoji="1" lang="ja-JP" altLang="en-US"/>
-              <a:t>テーブルの前処理を行うクラス</a:t>
-            </a:r>
-            <a:endParaRPr kumimoji="1" lang="en-US" altLang="ja-JP" dirty="0"/>
-          </a:p>
-          <a:p>
-            <a:pPr marL="0" indent="0">
-              <a:buNone/>
-            </a:pPr>
-            <a:endParaRPr lang="en-US" altLang="ja-JP" dirty="0"/>
-          </a:p>
-          <a:p>
-            <a:pPr marL="0" indent="0">
-              <a:buNone/>
-            </a:pPr>
-            <a:r>
-              <a:rPr kumimoji="1" lang="en-US" altLang="ja-JP" dirty="0"/>
-              <a:t>class Return</a:t>
-            </a:r>
-          </a:p>
-          <a:p>
-            <a:pPr marL="457200" lvl="1" indent="0">
-              <a:buNone/>
-            </a:pPr>
-            <a:r>
-              <a:rPr lang="en-US" altLang="ja-JP" dirty="0"/>
-              <a:t>returns </a:t>
-            </a:r>
-            <a:r>
-              <a:rPr lang="ja-JP" altLang="en-US"/>
-              <a:t>テーブルの前処理を行うクラス</a:t>
-            </a:r>
-            <a:endParaRPr lang="en-US" altLang="ja-JP" dirty="0"/>
-          </a:p>
-          <a:p>
-            <a:pPr marL="457200" lvl="1" indent="0">
-              <a:buNone/>
-            </a:pPr>
-            <a:endParaRPr kumimoji="1" lang="en-US" altLang="ja-JP" dirty="0"/>
-          </a:p>
-          <a:p>
-            <a:pPr marL="0" indent="0">
-              <a:buNone/>
-            </a:pPr>
-            <a:r>
-              <a:rPr lang="en-US" altLang="ja-JP" dirty="0"/>
-              <a:t>class Results</a:t>
-            </a:r>
-          </a:p>
-          <a:p>
-            <a:pPr marL="457200" lvl="1" indent="0">
-              <a:buNone/>
-            </a:pPr>
-            <a:r>
-              <a:rPr kumimoji="1" lang="en-US" altLang="ja-JP" dirty="0"/>
-              <a:t>results </a:t>
-            </a:r>
-            <a:r>
-              <a:rPr kumimoji="1" lang="ja-JP" altLang="en-US"/>
-              <a:t>テーブルの前処理を行うクラス</a:t>
-            </a:r>
-            <a:endParaRPr kumimoji="1" lang="en-US" altLang="ja-JP" dirty="0"/>
-          </a:p>
-          <a:p>
-            <a:pPr marL="457200" lvl="1" indent="0">
-              <a:buNone/>
-            </a:pPr>
-            <a:endParaRPr lang="en-US" altLang="ja-JP" dirty="0"/>
-          </a:p>
-          <a:p>
-            <a:pPr marL="0" indent="0">
-              <a:buNone/>
-            </a:pPr>
-            <a:r>
-              <a:rPr kumimoji="1" lang="en-US" altLang="ja-JP" dirty="0"/>
-              <a:t>class Peds</a:t>
-            </a:r>
-          </a:p>
-          <a:p>
-            <a:pPr marL="457200" lvl="1" indent="0">
-              <a:buNone/>
-            </a:pPr>
-            <a:r>
-              <a:rPr lang="en-US" altLang="ja-JP" dirty="0"/>
-              <a:t>peds </a:t>
-            </a:r>
-            <a:r>
-              <a:rPr lang="ja-JP" altLang="en-US"/>
-              <a:t>テーブルの前処理を行うクラス</a:t>
-            </a:r>
-            <a:endParaRPr kumimoji="1" lang="ja-JP" altLang="en-US"/>
+              <a:t>2. </a:t>
+            </a:r>
+            <a:r>
+              <a:rPr kumimoji="1" lang="ja-JP" altLang="en-US"/>
+              <a:t>ディレクトリ構成</a:t>
+            </a:r>
           </a:p>
         </p:txBody>
       </p:sp>
@@ -5767,7 +5803,7 @@
           <p:cNvPr id="4" name="日付プレースホルダー 3">
             <a:extLst>
               <a:ext uri="{FF2B5EF4-FFF2-40B4-BE49-F238E27FC236}">
-                <a16:creationId xmlns:a16="http://schemas.microsoft.com/office/drawing/2014/main" id="{355C2C84-A18B-0377-91FD-A480B2D660B7}"/>
+                <a16:creationId xmlns:a16="http://schemas.microsoft.com/office/drawing/2014/main" id="{AA9F4A91-3079-D5F0-F10D-6C6B3E427346}"/>
               </a:ext>
             </a:extLst>
           </p:cNvPr>
@@ -5785,7 +5821,7 @@
           <a:p>
             <a:fld id="{951D50B2-FCDF-3248-90E7-B55C9AE895A2}" type="datetime1">
               <a:rPr kumimoji="1" lang="ja-JP" altLang="en-US" smtClean="0"/>
-              <a:t>2023/1/25</a:t>
+              <a:t>2023/2/2</a:t>
             </a:fld>
             <a:endParaRPr kumimoji="1" lang="ja-JP" altLang="en-US"/>
           </a:p>
@@ -5796,7 +5832,7 @@
           <p:cNvPr id="5" name="スライド番号プレースホルダー 4">
             <a:extLst>
               <a:ext uri="{FF2B5EF4-FFF2-40B4-BE49-F238E27FC236}">
-                <a16:creationId xmlns:a16="http://schemas.microsoft.com/office/drawing/2014/main" id="{696ED2FF-FF70-A7BB-C949-A1CEA413C494}"/>
+                <a16:creationId xmlns:a16="http://schemas.microsoft.com/office/drawing/2014/main" id="{48C58048-EAD8-AA5E-9D73-D1AEAB180E2F}"/>
               </a:ext>
             </a:extLst>
           </p:cNvPr>
@@ -5820,12 +5856,41 @@
           </a:p>
         </p:txBody>
       </p:sp>
-      <p:sp>
-        <p:nvSpPr>
-          <p:cNvPr id="6" name="テキスト ボックス 5">
-            <a:extLst>
-              <a:ext uri="{FF2B5EF4-FFF2-40B4-BE49-F238E27FC236}">
-                <a16:creationId xmlns:a16="http://schemas.microsoft.com/office/drawing/2014/main" id="{8DC63C2D-556E-11A6-AA86-3973CADEF2B5}"/>
+      <p:pic>
+        <p:nvPicPr>
+          <p:cNvPr id="8" name="コンテンツ プレースホルダー 6">
+            <a:extLst>
+              <a:ext uri="{FF2B5EF4-FFF2-40B4-BE49-F238E27FC236}">
+                <a16:creationId xmlns:a16="http://schemas.microsoft.com/office/drawing/2014/main" id="{9DDF7573-1238-6419-0ECB-7EF4876EBAEF}"/>
+              </a:ext>
+            </a:extLst>
+          </p:cNvPr>
+          <p:cNvPicPr>
+            <a:picLocks noChangeAspect="1"/>
+          </p:cNvPicPr>
+          <p:nvPr/>
+        </p:nvPicPr>
+        <p:blipFill rotWithShape="1">
+          <a:blip r:embed="rId2"/>
+          <a:srcRect t="13342" b="4123"/>
+          <a:stretch/>
+        </p:blipFill>
+        <p:spPr>
+          <a:xfrm>
+            <a:off x="640341" y="1366345"/>
+            <a:ext cx="3863697" cy="4905211"/>
+          </a:xfrm>
+          <a:prstGeom prst="rect">
+            <a:avLst/>
+          </a:prstGeom>
+        </p:spPr>
+      </p:pic>
+      <p:sp>
+        <p:nvSpPr>
+          <p:cNvPr id="11" name="テキスト ボックス 10">
+            <a:extLst>
+              <a:ext uri="{FF2B5EF4-FFF2-40B4-BE49-F238E27FC236}">
+                <a16:creationId xmlns:a16="http://schemas.microsoft.com/office/drawing/2014/main" id="{DDAF93BA-0BF5-F43F-6CED-0D92513085BF}"/>
               </a:ext>
             </a:extLst>
           </p:cNvPr>
@@ -5834,8 +5899,8 @@
         </p:nvSpPr>
         <p:spPr>
           <a:xfrm>
-            <a:off x="7924800" y="4088524"/>
-            <a:ext cx="2371162" cy="369332"/>
+            <a:off x="4794026" y="1912881"/>
+            <a:ext cx="6269785" cy="1200329"/>
           </a:xfrm>
           <a:prstGeom prst="rect">
             <a:avLst/>
@@ -5843,14 +5908,18 @@
           <a:noFill/>
         </p:spPr>
         <p:txBody>
-          <a:bodyPr wrap="none" rtlCol="0">
+          <a:bodyPr wrap="square" rtlCol="0">
             <a:spAutoFit/>
           </a:bodyPr>
           <a:lstStyle/>
           <a:p>
-            <a:r>
-              <a:rPr kumimoji="1" lang="ja-JP" altLang="en-US"/>
-              <a:t>全部</a:t>
+            <a:pPr marL="285750" indent="-285750">
+              <a:buFont typeface="Arial" panose="020B0604020202020204" pitchFamily="34" charset="0"/>
+              <a:buChar char="•"/>
+            </a:pPr>
+            <a:r>
+              <a:rPr kumimoji="1" lang="ja-JP" altLang="en-US"/>
+              <a:t>今</a:t>
             </a:r>
             <a:r>
               <a:rPr kumimoji="1" lang="en-US" altLang="ja-JP" dirty="0"/>
@@ -5866,15 +5935,98 @@
             </a:r>
             <a:r>
               <a:rPr kumimoji="1" lang="ja-JP" altLang="en-US"/>
-              <a:t>にいる</a:t>
-            </a:r>
+              <a:t>にベタ書きしてる</a:t>
+            </a:r>
+            <a:r>
+              <a:rPr kumimoji="1" lang="en-US" altLang="ja-JP" dirty="0"/>
+              <a:t> class </a:t>
+            </a:r>
+            <a:r>
+              <a:rPr kumimoji="1" lang="ja-JP" altLang="en-US"/>
+              <a:t>や</a:t>
+            </a:r>
+            <a:r>
+              <a:rPr kumimoji="1" lang="en-US" altLang="ja-JP" dirty="0"/>
+              <a:t> </a:t>
+            </a:r>
+            <a:r>
+              <a:rPr kumimoji="1" lang="en-US" altLang="ja-JP" dirty="0" err="1"/>
+              <a:t>func</a:t>
+            </a:r>
+            <a:r>
+              <a:rPr kumimoji="1" lang="en-US" altLang="ja-JP" dirty="0"/>
+              <a:t> </a:t>
+            </a:r>
+            <a:r>
+              <a:rPr kumimoji="1" lang="ja-JP" altLang="en-US"/>
+              <a:t>を順次</a:t>
+            </a:r>
+            <a:r>
+              <a:rPr lang="en-US" altLang="ja-JP" dirty="0" err="1"/>
+              <a:t>my_libraly</a:t>
+            </a:r>
+            <a:r>
+              <a:rPr lang="en-US" altLang="ja-JP" dirty="0"/>
+              <a:t>/</a:t>
+            </a:r>
+            <a:r>
+              <a:rPr lang="en-US" altLang="ja-JP" dirty="0" err="1"/>
+              <a:t>my_modules</a:t>
+            </a:r>
+            <a:r>
+              <a:rPr lang="en-US" altLang="ja-JP" dirty="0"/>
+              <a:t> </a:t>
+            </a:r>
+            <a:r>
+              <a:rPr lang="ja-JP" altLang="en-US"/>
+              <a:t>に移行する予定</a:t>
+            </a:r>
+            <a:endParaRPr lang="en-US" altLang="ja-JP" dirty="0"/>
+          </a:p>
+          <a:p>
+            <a:pPr marL="285750" indent="-285750">
+              <a:buFont typeface="Arial" panose="020B0604020202020204" pitchFamily="34" charset="0"/>
+              <a:buChar char="•"/>
+            </a:pPr>
+            <a:r>
+              <a:rPr lang="ja-JP" altLang="en-US"/>
+              <a:t>現在は</a:t>
+            </a:r>
+            <a:r>
+              <a:rPr lang="en-US" altLang="ja-JP" dirty="0"/>
+              <a:t> </a:t>
+            </a:r>
+            <a:r>
+              <a:rPr lang="en-US" altLang="ja-JP" dirty="0" err="1"/>
+              <a:t>my_library</a:t>
+            </a:r>
+            <a:r>
+              <a:rPr lang="en-US" altLang="ja-JP" dirty="0"/>
+              <a:t>/</a:t>
+            </a:r>
+            <a:r>
+              <a:rPr lang="en-US" altLang="ja-JP" dirty="0" err="1"/>
+              <a:t>horse.py</a:t>
+            </a:r>
+            <a:r>
+              <a:rPr lang="en-US" altLang="ja-JP" dirty="0"/>
+              <a:t> </a:t>
+            </a:r>
+            <a:r>
+              <a:rPr lang="ja-JP" altLang="en-US"/>
+              <a:t>でよく使う奴らを定義</a:t>
+            </a:r>
+            <a:endParaRPr lang="en-US" altLang="ja-JP" dirty="0"/>
+          </a:p>
+          <a:p>
+            <a:endParaRPr kumimoji="1" lang="ja-JP" altLang="en-US"/>
           </a:p>
         </p:txBody>
       </p:sp>
     </p:spTree>
     <p:extLst>
       <p:ext uri="{BB962C8B-B14F-4D97-AF65-F5344CB8AC3E}">
-        <p14:creationId xmlns:p14="http://schemas.microsoft.com/office/powerpoint/2010/main" val="4288593082"/>
+        <p14:creationId xmlns:p14="http://schemas.microsoft.com/office/powerpoint/2010/main" val="3244643516"/>
       </p:ext>
     </p:extLst>
   </p:cSld>
@@ -5906,7 +6058,7 @@
           <p:cNvPr id="2" name="タイトル 1">
             <a:extLst>
               <a:ext uri="{FF2B5EF4-FFF2-40B4-BE49-F238E27FC236}">
-                <a16:creationId xmlns:a16="http://schemas.microsoft.com/office/drawing/2014/main" id="{6F1ABEC0-041C-A338-C0B3-3AF769BD696E}"/>
+                <a16:creationId xmlns:a16="http://schemas.microsoft.com/office/drawing/2014/main" id="{AD70ED31-6997-866B-06C5-0E6EAA63B1A0}"/>
               </a:ext>
             </a:extLst>
           </p:cNvPr>
@@ -5917,166 +6069,79 @@
             <p:ph type="title"/>
           </p:nvPr>
         </p:nvSpPr>
-        <p:spPr/>
-        <p:txBody>
-          <a:bodyPr/>
-          <a:lstStyle/>
-          <a:p>
-            <a:r>
-              <a:rPr lang="en-US" altLang="ja-JP" dirty="0"/>
+        <p:spPr>
+          <a:xfrm>
+            <a:off x="838200" y="365125"/>
+            <a:ext cx="10817772" cy="1325563"/>
+          </a:xfrm>
+        </p:spPr>
+        <p:txBody>
+          <a:bodyPr>
+            <a:normAutofit/>
+          </a:bodyPr>
+          <a:lstStyle/>
+          <a:p>
+            <a:r>
+              <a:rPr lang="en-US" altLang="ja-JP" sz="4000" dirty="0"/>
               <a:t>3</a:t>
             </a:r>
             <a:r>
+              <a:rPr kumimoji="1" lang="en-US" altLang="ja-JP" sz="4000" dirty="0"/>
+              <a:t>. </a:t>
+            </a:r>
+            <a:r>
+              <a:rPr kumimoji="1" lang="ja-JP" altLang="en-US" sz="4000"/>
+              <a:t>ライブラリと使用法</a:t>
+            </a:r>
+            <a:r>
+              <a:rPr kumimoji="1" lang="en-US" altLang="ja-JP" sz="4000" dirty="0"/>
+              <a:t> (</a:t>
+            </a:r>
+            <a:r>
+              <a:rPr kumimoji="1" lang="ja-JP" altLang="en-US" sz="4000"/>
+              <a:t>主に使ってるやつね</a:t>
+            </a:r>
+            <a:r>
+              <a:rPr kumimoji="1" lang="en-US" altLang="ja-JP" sz="4000" dirty="0"/>
+              <a:t>)</a:t>
+            </a:r>
+            <a:endParaRPr kumimoji="1" lang="ja-JP" altLang="en-US" sz="4000"/>
+          </a:p>
+        </p:txBody>
+      </p:sp>
+      <p:sp>
+        <p:nvSpPr>
+          <p:cNvPr id="3" name="コンテンツ プレースホルダー 2">
+            <a:extLst>
+              <a:ext uri="{FF2B5EF4-FFF2-40B4-BE49-F238E27FC236}">
+                <a16:creationId xmlns:a16="http://schemas.microsoft.com/office/drawing/2014/main" id="{D7CE56C2-6BF2-BE54-A7ED-0A61FFE4549F}"/>
+              </a:ext>
+            </a:extLst>
+          </p:cNvPr>
+          <p:cNvSpPr>
+            <a:spLocks noGrp="1"/>
+          </p:cNvSpPr>
+          <p:nvPr>
+            <p:ph idx="1"/>
+          </p:nvPr>
+        </p:nvSpPr>
+        <p:spPr/>
+        <p:txBody>
+          <a:bodyPr>
+            <a:normAutofit fontScale="92500" lnSpcReduction="10000"/>
+          </a:bodyPr>
+          <a:lstStyle/>
+          <a:p>
+            <a:pPr marL="0" indent="0">
+              <a:buNone/>
+            </a:pPr>
+            <a:r>
               <a:rPr kumimoji="1" lang="en-US" altLang="ja-JP" dirty="0"/>
-              <a:t>. </a:t>
-            </a:r>
-            <a:r>
-              <a:rPr kumimoji="1" lang="ja-JP" altLang="en-US"/>
-              <a:t>ライブラリと使用法</a:t>
-            </a:r>
-          </a:p>
-        </p:txBody>
-      </p:sp>
-      <p:sp>
-        <p:nvSpPr>
-          <p:cNvPr id="3" name="コンテンツ プレースホルダー 2">
-            <a:extLst>
-              <a:ext uri="{FF2B5EF4-FFF2-40B4-BE49-F238E27FC236}">
-                <a16:creationId xmlns:a16="http://schemas.microsoft.com/office/drawing/2014/main" id="{EA1E75ED-B21E-F57A-19C5-E6C97040DB0B}"/>
-              </a:ext>
-            </a:extLst>
-          </p:cNvPr>
-          <p:cNvSpPr>
-            <a:spLocks noGrp="1"/>
-          </p:cNvSpPr>
-          <p:nvPr>
-            <p:ph idx="1"/>
-          </p:nvPr>
-        </p:nvSpPr>
-        <p:spPr/>
-        <p:txBody>
-          <a:bodyPr/>
-          <a:lstStyle/>
-          <a:p>
-            <a:pPr marL="0" indent="0">
-              <a:lnSpc>
-                <a:spcPct val="100000"/>
-              </a:lnSpc>
-              <a:buNone/>
-            </a:pPr>
-            <a:r>
-              <a:rPr kumimoji="1" lang="en-US" altLang="ja-JP" dirty="0"/>
-              <a:t>class Simulator</a:t>
-            </a:r>
-          </a:p>
-          <a:p>
-            <a:pPr marL="457200" lvl="1" indent="0">
-              <a:lnSpc>
-                <a:spcPct val="100000"/>
-              </a:lnSpc>
-              <a:buNone/>
-            </a:pPr>
-            <a:r>
-              <a:rPr lang="en-US" altLang="ja-JP" dirty="0"/>
-              <a:t>※</a:t>
-            </a:r>
-            <a:r>
-              <a:rPr lang="ja-JP" altLang="en-US"/>
-              <a:t> </a:t>
-            </a:r>
-            <a:r>
-              <a:rPr lang="en-US" altLang="ja-JP" dirty="0" err="1"/>
-              <a:t>result_df</a:t>
-            </a:r>
-            <a:r>
-              <a:rPr lang="en-US" altLang="ja-JP" dirty="0"/>
-              <a:t> </a:t>
-            </a:r>
-            <a:r>
-              <a:rPr lang="ja-JP" altLang="en-US"/>
-              <a:t>返却するだけなので将来的に</a:t>
-            </a:r>
-            <a:r>
-              <a:rPr lang="en-US" altLang="ja-JP" dirty="0"/>
-              <a:t>class -&gt; </a:t>
-            </a:r>
-            <a:r>
-              <a:rPr lang="en-US" altLang="ja-JP" dirty="0" err="1"/>
-              <a:t>func</a:t>
-            </a:r>
-            <a:r>
-              <a:rPr lang="en-US" altLang="ja-JP" dirty="0"/>
-              <a:t> </a:t>
-            </a:r>
-            <a:r>
-              <a:rPr lang="ja-JP" altLang="en-US"/>
-              <a:t>にする予定</a:t>
-            </a:r>
-            <a:endParaRPr lang="en-US" altLang="ja-JP" dirty="0"/>
-          </a:p>
-          <a:p>
-            <a:pPr marL="457200" lvl="1" indent="0">
-              <a:lnSpc>
-                <a:spcPct val="100000"/>
-              </a:lnSpc>
-              <a:buNone/>
-            </a:pPr>
+              <a:t>class </a:t>
+            </a:r>
             <a:r>
               <a:rPr kumimoji="1" lang="en-US" altLang="ja-JP" dirty="0" err="1"/>
-              <a:t>result_df</a:t>
-            </a:r>
-            <a:r>
-              <a:rPr kumimoji="1" lang="en-US" altLang="ja-JP" dirty="0"/>
-              <a:t> : </a:t>
-            </a:r>
-            <a:r>
-              <a:rPr kumimoji="1" lang="ja-JP" altLang="en-US"/>
-              <a:t>予測の情報と</a:t>
-            </a:r>
-            <a:r>
-              <a:rPr kumimoji="1" lang="en-US" altLang="ja-JP" dirty="0"/>
-              <a:t>, odds, </a:t>
-            </a:r>
-            <a:r>
-              <a:rPr kumimoji="1" lang="ja-JP" altLang="en-US"/>
-              <a:t>払い戻しなどが記載されたテーブル</a:t>
-            </a:r>
-            <a:endParaRPr kumimoji="1" lang="en-US" altLang="ja-JP" dirty="0"/>
-          </a:p>
-          <a:p>
-            <a:pPr marL="457200" lvl="1" indent="0">
-              <a:lnSpc>
-                <a:spcPct val="100000"/>
-              </a:lnSpc>
-              <a:buNone/>
-            </a:pPr>
-            <a:r>
-              <a:rPr kumimoji="1" lang="en-US" altLang="ja-JP" dirty="0" err="1"/>
-              <a:t>my_modules.func.calc</a:t>
-            </a:r>
-            <a:r>
-              <a:rPr kumimoji="1" lang="en-US" altLang="ja-JP" dirty="0"/>
-              <a:t>_(</a:t>
-            </a:r>
-            <a:r>
-              <a:rPr kumimoji="1" lang="en-US" altLang="ja-JP" dirty="0" err="1"/>
-              <a:t>result_df,kaime</a:t>
-            </a:r>
-            <a:r>
-              <a:rPr kumimoji="1" lang="en-US" altLang="ja-JP" dirty="0"/>
-              <a:t>=‘</a:t>
-            </a:r>
-            <a:r>
-              <a:rPr kumimoji="1" lang="en-US" altLang="ja-JP" dirty="0" err="1"/>
-              <a:t>tansho</a:t>
-            </a:r>
-            <a:r>
-              <a:rPr kumimoji="1" lang="en-US" altLang="ja-JP" dirty="0"/>
-              <a:t>’)</a:t>
-            </a:r>
-            <a:r>
-              <a:rPr kumimoji="1" lang="ja-JP" altLang="en-US"/>
-              <a:t>で使う予定</a:t>
+              <a:t>HorseResults</a:t>
             </a:r>
             <a:r>
               <a:rPr kumimoji="1" lang="en-US" altLang="ja-JP" dirty="0"/>
@@ -6085,75 +6150,107 @@
           </a:p>
           <a:p>
             <a:pPr marL="457200" lvl="1" indent="0">
-              <a:lnSpc>
-                <a:spcPct val="100000"/>
-              </a:lnSpc>
+              <a:buNone/>
+            </a:pPr>
+            <a:r>
+              <a:rPr kumimoji="1" lang="en-US" altLang="ja-JP" dirty="0" err="1"/>
+              <a:t>horse_results</a:t>
+            </a:r>
+            <a:r>
+              <a:rPr kumimoji="1" lang="en-US" altLang="ja-JP" dirty="0"/>
+              <a:t> </a:t>
+            </a:r>
+            <a:r>
+              <a:rPr kumimoji="1" lang="ja-JP" altLang="en-US"/>
+              <a:t>テーブルの前処理を行うクラス</a:t>
+            </a:r>
+            <a:endParaRPr kumimoji="1" lang="en-US" altLang="ja-JP" dirty="0"/>
+          </a:p>
+          <a:p>
+            <a:pPr marL="0" indent="0">
               <a:buNone/>
             </a:pPr>
             <a:endParaRPr lang="en-US" altLang="ja-JP" dirty="0"/>
           </a:p>
           <a:p>
+            <a:pPr marL="0" indent="0">
+              <a:buNone/>
+            </a:pPr>
+            <a:r>
+              <a:rPr kumimoji="1" lang="en-US" altLang="ja-JP" dirty="0"/>
+              <a:t>class Return</a:t>
+            </a:r>
+          </a:p>
+          <a:p>
             <a:pPr marL="457200" lvl="1" indent="0">
-              <a:lnSpc>
-                <a:spcPct val="100000"/>
-              </a:lnSpc>
+              <a:buNone/>
+            </a:pPr>
+            <a:r>
+              <a:rPr lang="en-US" altLang="ja-JP" dirty="0"/>
+              <a:t>returns </a:t>
+            </a:r>
+            <a:r>
+              <a:rPr lang="ja-JP" altLang="en-US"/>
+              <a:t>テーブルの前処理を行うクラス</a:t>
+            </a:r>
+            <a:endParaRPr lang="en-US" altLang="ja-JP" dirty="0"/>
+          </a:p>
+          <a:p>
+            <a:pPr marL="457200" lvl="1" indent="0">
               <a:buNone/>
             </a:pPr>
             <a:endParaRPr kumimoji="1" lang="en-US" altLang="ja-JP" dirty="0"/>
           </a:p>
           <a:p>
             <a:pPr marL="0" indent="0">
-              <a:lnSpc>
-                <a:spcPct val="100000"/>
-              </a:lnSpc>
               <a:buNone/>
             </a:pPr>
             <a:r>
               <a:rPr lang="en-US" altLang="ja-JP" dirty="0"/>
-              <a:t>class </a:t>
-            </a:r>
-            <a:r>
-              <a:rPr lang="en-US" altLang="ja-JP" dirty="0" err="1"/>
-              <a:t>TodaySimulator</a:t>
-            </a:r>
+              <a:t>class Results</a:t>
+            </a:r>
+          </a:p>
+          <a:p>
+            <a:pPr marL="457200" lvl="1" indent="0">
+              <a:buNone/>
+            </a:pPr>
+            <a:r>
+              <a:rPr kumimoji="1" lang="en-US" altLang="ja-JP" dirty="0"/>
+              <a:t>results </a:t>
+            </a:r>
+            <a:r>
+              <a:rPr kumimoji="1" lang="ja-JP" altLang="en-US"/>
+              <a:t>テーブルの前処理を行うクラス</a:t>
+            </a:r>
+            <a:endParaRPr kumimoji="1" lang="en-US" altLang="ja-JP" dirty="0"/>
+          </a:p>
+          <a:p>
+            <a:pPr marL="457200" lvl="1" indent="0">
+              <a:buNone/>
+            </a:pPr>
             <a:endParaRPr lang="en-US" altLang="ja-JP" dirty="0"/>
           </a:p>
           <a:p>
+            <a:pPr marL="0" indent="0">
+              <a:buNone/>
+            </a:pPr>
+            <a:r>
+              <a:rPr kumimoji="1" lang="en-US" altLang="ja-JP" dirty="0"/>
+              <a:t>class Peds</a:t>
+            </a:r>
+          </a:p>
+          <a:p>
             <a:pPr marL="457200" lvl="1" indent="0">
-              <a:lnSpc>
-                <a:spcPct val="100000"/>
-              </a:lnSpc>
               <a:buNone/>
             </a:pPr>
             <a:r>
+              <a:rPr lang="en-US" altLang="ja-JP" dirty="0"/>
+              <a:t>peds </a:t>
+            </a:r>
+            <a:r>
               <a:rPr lang="ja-JP" altLang="en-US"/>
-              <a:t>レース当日の</a:t>
-            </a:r>
-            <a:r>
-              <a:rPr lang="en-US" altLang="ja-JP" dirty="0"/>
-              <a:t> sim </a:t>
-            </a:r>
-            <a:r>
-              <a:rPr lang="ja-JP" altLang="en-US"/>
-              <a:t>用のクラス</a:t>
-            </a:r>
-            <a:endParaRPr lang="en-US" altLang="ja-JP" dirty="0"/>
-          </a:p>
-          <a:p>
-            <a:pPr marL="457200" lvl="1" indent="0">
-              <a:lnSpc>
-                <a:spcPct val="100000"/>
-              </a:lnSpc>
-              <a:buNone/>
-            </a:pPr>
-            <a:r>
-              <a:rPr kumimoji="1" lang="ja-JP" altLang="en-US"/>
-              <a:t>こいつも廃止予定</a:t>
-            </a:r>
-            <a:endParaRPr kumimoji="1" lang="en-US" altLang="ja-JP" dirty="0"/>
-          </a:p>
-          <a:p>
-            <a:pPr lvl="1"/>
+              <a:t>テーブルの前処理を行うクラス</a:t>
+            </a:r>
             <a:endParaRPr kumimoji="1" lang="ja-JP" altLang="en-US"/>
           </a:p>
         </p:txBody>
@@ -6163,7 +6260,7 @@
           <p:cNvPr id="4" name="日付プレースホルダー 3">
             <a:extLst>
               <a:ext uri="{FF2B5EF4-FFF2-40B4-BE49-F238E27FC236}">
-                <a16:creationId xmlns:a16="http://schemas.microsoft.com/office/drawing/2014/main" id="{94724721-6BFB-65DD-1BC7-5105422CABBF}"/>
+                <a16:creationId xmlns:a16="http://schemas.microsoft.com/office/drawing/2014/main" id="{355C2C84-A18B-0377-91FD-A480B2D660B7}"/>
               </a:ext>
             </a:extLst>
           </p:cNvPr>
@@ -6181,7 +6278,7 @@
           <a:p>
             <a:fld id="{951D50B2-FCDF-3248-90E7-B55C9AE895A2}" type="datetime1">
               <a:rPr kumimoji="1" lang="ja-JP" altLang="en-US" smtClean="0"/>
-              <a:t>2023/1/25</a:t>
+              <a:t>2023/2/2</a:t>
             </a:fld>
             <a:endParaRPr kumimoji="1" lang="ja-JP" altLang="en-US"/>
           </a:p>
@@ -6192,7 +6289,7 @@
           <p:cNvPr id="5" name="スライド番号プレースホルダー 4">
             <a:extLst>
               <a:ext uri="{FF2B5EF4-FFF2-40B4-BE49-F238E27FC236}">
-                <a16:creationId xmlns:a16="http://schemas.microsoft.com/office/drawing/2014/main" id="{D771436B-172E-8A94-20D8-C185940F901D}"/>
+                <a16:creationId xmlns:a16="http://schemas.microsoft.com/office/drawing/2014/main" id="{696ED2FF-FF70-A7BB-C949-A1CEA413C494}"/>
               </a:ext>
             </a:extLst>
           </p:cNvPr>
@@ -6216,10 +6313,61 @@
           </a:p>
         </p:txBody>
       </p:sp>
+      <p:sp>
+        <p:nvSpPr>
+          <p:cNvPr id="6" name="テキスト ボックス 5">
+            <a:extLst>
+              <a:ext uri="{FF2B5EF4-FFF2-40B4-BE49-F238E27FC236}">
+                <a16:creationId xmlns:a16="http://schemas.microsoft.com/office/drawing/2014/main" id="{8DC63C2D-556E-11A6-AA86-3973CADEF2B5}"/>
+              </a:ext>
+            </a:extLst>
+          </p:cNvPr>
+          <p:cNvSpPr txBox="1"/>
+          <p:nvPr/>
+        </p:nvSpPr>
+        <p:spPr>
+          <a:xfrm>
+            <a:off x="7924800" y="4088524"/>
+            <a:ext cx="2371162" cy="369332"/>
+          </a:xfrm>
+          <a:prstGeom prst="rect">
+            <a:avLst/>
+          </a:prstGeom>
+          <a:noFill/>
+        </p:spPr>
+        <p:txBody>
+          <a:bodyPr wrap="none" rtlCol="0">
+            <a:spAutoFit/>
+          </a:bodyPr>
+          <a:lstStyle/>
+          <a:p>
+            <a:r>
+              <a:rPr kumimoji="1" lang="ja-JP" altLang="en-US"/>
+              <a:t>全部</a:t>
+            </a:r>
+            <a:r>
+              <a:rPr kumimoji="1" lang="en-US" altLang="ja-JP" dirty="0"/>
+              <a:t> </a:t>
+            </a:r>
+            <a:r>
+              <a:rPr kumimoji="1" lang="en-US" altLang="ja-JP" dirty="0" err="1"/>
+              <a:t>horse.py</a:t>
+            </a:r>
+            <a:r>
+              <a:rPr kumimoji="1" lang="en-US" altLang="ja-JP" dirty="0"/>
+              <a:t> </a:t>
+            </a:r>
+            <a:r>
+              <a:rPr kumimoji="1" lang="ja-JP" altLang="en-US"/>
+              <a:t>にいる</a:t>
+            </a:r>
+          </a:p>
+        </p:txBody>
+      </p:sp>
     </p:spTree>
     <p:extLst>
       <p:ext uri="{BB962C8B-B14F-4D97-AF65-F5344CB8AC3E}">
-        <p14:creationId xmlns:p14="http://schemas.microsoft.com/office/powerpoint/2010/main" val="1274916538"/>
+        <p14:creationId xmlns:p14="http://schemas.microsoft.com/office/powerpoint/2010/main" val="4288593082"/>
       </p:ext>
     </p:extLst>
   </p:cSld>
@@ -6251,7 +6399,7 @@
           <p:cNvPr id="2" name="タイトル 1">
             <a:extLst>
               <a:ext uri="{FF2B5EF4-FFF2-40B4-BE49-F238E27FC236}">
-                <a16:creationId xmlns:a16="http://schemas.microsoft.com/office/drawing/2014/main" id="{7524C90B-6AEF-06F9-1D36-B5B46D0C936F}"/>
+                <a16:creationId xmlns:a16="http://schemas.microsoft.com/office/drawing/2014/main" id="{6F1ABEC0-041C-A338-C0B3-3AF769BD696E}"/>
               </a:ext>
             </a:extLst>
           </p:cNvPr>
@@ -6268,160 +6416,233 @@
           <a:lstStyle/>
           <a:p>
             <a:r>
+              <a:rPr lang="en-US" altLang="ja-JP" dirty="0"/>
+              <a:t>3</a:t>
+            </a:r>
+            <a:r>
               <a:rPr kumimoji="1" lang="en-US" altLang="ja-JP" dirty="0"/>
-              <a:t>3. </a:t>
+              <a:t>. </a:t>
+            </a:r>
+            <a:r>
+              <a:rPr kumimoji="1" lang="ja-JP" altLang="en-US"/>
+              <a:t>ライブラリと使用法</a:t>
+            </a:r>
+          </a:p>
+        </p:txBody>
+      </p:sp>
+      <p:sp>
+        <p:nvSpPr>
+          <p:cNvPr id="3" name="コンテンツ プレースホルダー 2">
+            <a:extLst>
+              <a:ext uri="{FF2B5EF4-FFF2-40B4-BE49-F238E27FC236}">
+                <a16:creationId xmlns:a16="http://schemas.microsoft.com/office/drawing/2014/main" id="{EA1E75ED-B21E-F57A-19C5-E6C97040DB0B}"/>
+              </a:ext>
+            </a:extLst>
+          </p:cNvPr>
+          <p:cNvSpPr>
+            <a:spLocks noGrp="1"/>
+          </p:cNvSpPr>
+          <p:nvPr>
+            <p:ph idx="1"/>
+          </p:nvPr>
+        </p:nvSpPr>
+        <p:spPr/>
+        <p:txBody>
+          <a:bodyPr/>
+          <a:lstStyle/>
+          <a:p>
+            <a:pPr marL="0" indent="0">
+              <a:lnSpc>
+                <a:spcPct val="100000"/>
+              </a:lnSpc>
+              <a:buNone/>
+            </a:pPr>
+            <a:r>
+              <a:rPr kumimoji="1" lang="en-US" altLang="ja-JP" dirty="0"/>
+              <a:t>class Simulator</a:t>
+            </a:r>
+          </a:p>
+          <a:p>
+            <a:pPr marL="457200" lvl="1" indent="0">
+              <a:lnSpc>
+                <a:spcPct val="100000"/>
+              </a:lnSpc>
+              <a:buNone/>
+            </a:pPr>
+            <a:r>
+              <a:rPr lang="en-US" altLang="ja-JP" dirty="0"/>
+              <a:t>※</a:t>
             </a:r>
             <a:r>
               <a:rPr lang="ja-JP" altLang="en-US"/>
-              <a:t>ライブラリと使用法</a:t>
-            </a:r>
-            <a:endParaRPr kumimoji="1" lang="ja-JP" altLang="en-US"/>
-          </a:p>
-        </p:txBody>
-      </p:sp>
-      <p:sp>
-        <p:nvSpPr>
-          <p:cNvPr id="3" name="コンテンツ プレースホルダー 2">
-            <a:extLst>
-              <a:ext uri="{FF2B5EF4-FFF2-40B4-BE49-F238E27FC236}">
-                <a16:creationId xmlns:a16="http://schemas.microsoft.com/office/drawing/2014/main" id="{581E42EC-B7F3-854C-1A46-79DA31C2DC90}"/>
-              </a:ext>
-            </a:extLst>
-          </p:cNvPr>
-          <p:cNvSpPr>
-            <a:spLocks noGrp="1"/>
-          </p:cNvSpPr>
-          <p:nvPr>
-            <p:ph idx="1"/>
-          </p:nvPr>
-        </p:nvSpPr>
-        <p:spPr/>
-        <p:txBody>
-          <a:bodyPr/>
-          <a:lstStyle/>
-          <a:p>
-            <a:pPr marL="0" indent="0">
+              <a:t> </a:t>
+            </a:r>
+            <a:r>
+              <a:rPr lang="en-US" altLang="ja-JP" dirty="0" err="1"/>
+              <a:t>result_df</a:t>
+            </a:r>
+            <a:r>
+              <a:rPr lang="en-US" altLang="ja-JP" dirty="0"/>
+              <a:t> </a:t>
+            </a:r>
+            <a:r>
+              <a:rPr lang="ja-JP" altLang="en-US"/>
+              <a:t>返却するだけなので将来的に</a:t>
+            </a:r>
+            <a:r>
+              <a:rPr lang="en-US" altLang="ja-JP" dirty="0"/>
+              <a:t>class -&gt; </a:t>
+            </a:r>
+            <a:r>
+              <a:rPr lang="en-US" altLang="ja-JP" dirty="0" err="1"/>
+              <a:t>func</a:t>
+            </a:r>
+            <a:r>
+              <a:rPr lang="en-US" altLang="ja-JP" dirty="0"/>
+              <a:t> </a:t>
+            </a:r>
+            <a:r>
+              <a:rPr lang="ja-JP" altLang="en-US"/>
+              <a:t>にする予定</a:t>
+            </a:r>
+            <a:endParaRPr lang="en-US" altLang="ja-JP" dirty="0"/>
+          </a:p>
+          <a:p>
+            <a:pPr marL="457200" lvl="1" indent="0">
+              <a:lnSpc>
+                <a:spcPct val="100000"/>
+              </a:lnSpc>
               <a:buNone/>
             </a:pPr>
             <a:r>
+              <a:rPr kumimoji="1" lang="en-US" altLang="ja-JP" dirty="0" err="1"/>
+              <a:t>result_df</a:t>
+            </a:r>
+            <a:r>
               <a:rPr kumimoji="1" lang="en-US" altLang="ja-JP" dirty="0"/>
-              <a:t>class </a:t>
-            </a:r>
+              <a:t> : </a:t>
+            </a:r>
+            <a:r>
+              <a:rPr kumimoji="1" lang="ja-JP" altLang="en-US"/>
+              <a:t>予測の情報と</a:t>
+            </a:r>
+            <a:r>
+              <a:rPr kumimoji="1" lang="en-US" altLang="ja-JP" dirty="0"/>
+              <a:t>, odds, </a:t>
+            </a:r>
+            <a:r>
+              <a:rPr kumimoji="1" lang="ja-JP" altLang="en-US"/>
+              <a:t>払い戻しなどが記載されたテーブル</a:t>
+            </a:r>
+            <a:endParaRPr kumimoji="1" lang="en-US" altLang="ja-JP" dirty="0"/>
+          </a:p>
+          <a:p>
+            <a:pPr marL="457200" lvl="1" indent="0">
+              <a:lnSpc>
+                <a:spcPct val="100000"/>
+              </a:lnSpc>
+              <a:buNone/>
+            </a:pPr>
             <a:r>
               <a:rPr kumimoji="1" lang="en-US" altLang="ja-JP" dirty="0" err="1"/>
-              <a:t>LearnLGBM</a:t>
-            </a:r>
-            <a:endParaRPr kumimoji="1" lang="en-US" altLang="ja-JP" dirty="0"/>
+              <a:t>my_modules.func.calc</a:t>
+            </a:r>
+            <a:r>
+              <a:rPr kumimoji="1" lang="en-US" altLang="ja-JP" dirty="0"/>
+              <a:t>_(</a:t>
+            </a:r>
+            <a:r>
+              <a:rPr kumimoji="1" lang="en-US" altLang="ja-JP" dirty="0" err="1"/>
+              <a:t>result_df,kaime</a:t>
+            </a:r>
+            <a:r>
+              <a:rPr kumimoji="1" lang="en-US" altLang="ja-JP" dirty="0"/>
+              <a:t>=‘</a:t>
+            </a:r>
+            <a:r>
+              <a:rPr kumimoji="1" lang="en-US" altLang="ja-JP" dirty="0" err="1"/>
+              <a:t>tansho</a:t>
+            </a:r>
+            <a:r>
+              <a:rPr kumimoji="1" lang="en-US" altLang="ja-JP" dirty="0"/>
+              <a:t>’)</a:t>
+            </a:r>
+            <a:r>
+              <a:rPr kumimoji="1" lang="ja-JP" altLang="en-US"/>
+              <a:t>で使う予定</a:t>
+            </a:r>
+            <a:r>
+              <a:rPr kumimoji="1" lang="en-US" altLang="ja-JP" dirty="0"/>
+              <a:t> </a:t>
+            </a:r>
           </a:p>
           <a:p>
             <a:pPr marL="457200" lvl="1" indent="0">
-              <a:buNone/>
-            </a:pPr>
-            <a:r>
-              <a:rPr kumimoji="1" lang="en-US" altLang="ja-JP" dirty="0" err="1"/>
-              <a:t>lightgbm</a:t>
-            </a:r>
-            <a:r>
-              <a:rPr kumimoji="1" lang="ja-JP" altLang="en-US"/>
-              <a:t>を学習させるクラス</a:t>
-            </a:r>
-            <a:endParaRPr kumimoji="1" lang="en-US" altLang="ja-JP" dirty="0"/>
-          </a:p>
-          <a:p>
-            <a:pPr marL="457200" lvl="1" indent="0">
-              <a:buNone/>
-            </a:pPr>
-            <a:r>
-              <a:rPr lang="en-US" altLang="ja-JP" dirty="0" err="1"/>
-              <a:t>lightgbm</a:t>
-            </a:r>
-            <a:r>
-              <a:rPr lang="ja-JP" altLang="en-US"/>
-              <a:t>についてはググってね</a:t>
-            </a:r>
-            <a:endParaRPr lang="en-US" altLang="ja-JP" dirty="0"/>
-          </a:p>
-          <a:p>
-            <a:pPr marL="457200" lvl="1" indent="0">
-              <a:buNone/>
-            </a:pPr>
-            <a:r>
-              <a:rPr kumimoji="1" lang="ja-JP" altLang="en-US"/>
-              <a:t>本研究ではランク学習を用いる方針</a:t>
-            </a:r>
-            <a:endParaRPr kumimoji="1" lang="en-US" altLang="ja-JP" dirty="0"/>
-          </a:p>
-          <a:p>
-            <a:pPr marL="457200" lvl="1" indent="0">
-              <a:buNone/>
-            </a:pPr>
-            <a:r>
-              <a:rPr kumimoji="1" lang="ja-JP" altLang="en-US"/>
-              <a:t>これもクラス化したメリットあんま感じないので</a:t>
-            </a:r>
-            <a:r>
-              <a:rPr kumimoji="1" lang="en-US" altLang="ja-JP" dirty="0"/>
-              <a:t>, </a:t>
-            </a:r>
-            <a:r>
-              <a:rPr kumimoji="1" lang="ja-JP" altLang="en-US"/>
-              <a:t>廃止予定</a:t>
-            </a:r>
-            <a:endParaRPr kumimoji="1" lang="en-US" altLang="ja-JP" dirty="0"/>
-          </a:p>
-          <a:p>
-            <a:pPr marL="457200" lvl="1" indent="0">
+              <a:lnSpc>
+                <a:spcPct val="100000"/>
+              </a:lnSpc>
               <a:buNone/>
             </a:pPr>
             <a:endParaRPr lang="en-US" altLang="ja-JP" dirty="0"/>
           </a:p>
           <a:p>
+            <a:pPr marL="457200" lvl="1" indent="0">
+              <a:lnSpc>
+                <a:spcPct val="100000"/>
+              </a:lnSpc>
+              <a:buNone/>
+            </a:pPr>
+            <a:endParaRPr kumimoji="1" lang="en-US" altLang="ja-JP" dirty="0"/>
+          </a:p>
+          <a:p>
             <a:pPr marL="0" indent="0">
+              <a:lnSpc>
+                <a:spcPct val="100000"/>
+              </a:lnSpc>
               <a:buNone/>
             </a:pPr>
             <a:r>
               <a:rPr lang="en-US" altLang="ja-JP" dirty="0"/>
-              <a:t>class Predictor (</a:t>
+              <a:t>class </a:t>
             </a:r>
             <a:r>
               <a:rPr lang="en-US" altLang="ja-JP" dirty="0" err="1"/>
-              <a:t>LearnLGBM</a:t>
+              <a:t>TodaySimulator</a:t>
+            </a:r>
+            <a:endParaRPr lang="en-US" altLang="ja-JP" dirty="0"/>
+          </a:p>
+          <a:p>
+            <a:pPr marL="457200" lvl="1" indent="0">
+              <a:lnSpc>
+                <a:spcPct val="100000"/>
+              </a:lnSpc>
+              <a:buNone/>
+            </a:pPr>
+            <a:r>
+              <a:rPr lang="ja-JP" altLang="en-US"/>
+              <a:t>レース当日の</a:t>
             </a:r>
             <a:r>
               <a:rPr lang="en-US" altLang="ja-JP" dirty="0"/>
-              <a:t>)</a:t>
-            </a:r>
+              <a:t> sim </a:t>
+            </a:r>
+            <a:r>
+              <a:rPr lang="ja-JP" altLang="en-US"/>
+              <a:t>用のクラス</a:t>
+            </a:r>
+            <a:endParaRPr lang="en-US" altLang="ja-JP" dirty="0"/>
           </a:p>
           <a:p>
             <a:pPr marL="457200" lvl="1" indent="0">
+              <a:lnSpc>
+                <a:spcPct val="100000"/>
+              </a:lnSpc>
               <a:buNone/>
             </a:pPr>
             <a:r>
               <a:rPr kumimoji="1" lang="ja-JP" altLang="en-US"/>
-              <a:t>当日レース用</a:t>
-            </a:r>
-            <a:r>
-              <a:rPr kumimoji="1" lang="en-US" altLang="ja-JP" dirty="0"/>
-              <a:t> </a:t>
-            </a:r>
-            <a:r>
-              <a:rPr kumimoji="1" lang="ja-JP" altLang="en-US"/>
-              <a:t>予測モデル作成</a:t>
-            </a:r>
-            <a:endParaRPr kumimoji="1" lang="en-US" altLang="ja-JP" dirty="0"/>
-          </a:p>
-          <a:p>
-            <a:pPr marL="457200" lvl="1" indent="0">
-              <a:buNone/>
-            </a:pPr>
-            <a:r>
-              <a:rPr lang="ja-JP" altLang="en-US"/>
-              <a:t>こいつもキモいから廃止予定</a:t>
-            </a:r>
-            <a:endParaRPr kumimoji="1" lang="en-US" altLang="ja-JP" dirty="0"/>
-          </a:p>
-          <a:p>
-            <a:pPr lvl="1"/>
+              <a:t>こいつも廃止予定</a:t>
+            </a:r>
             <a:endParaRPr kumimoji="1" lang="en-US" altLang="ja-JP" dirty="0"/>
           </a:p>
           <a:p>
@@ -6435,7 +6656,7 @@
           <p:cNvPr id="4" name="日付プレースホルダー 3">
             <a:extLst>
               <a:ext uri="{FF2B5EF4-FFF2-40B4-BE49-F238E27FC236}">
-                <a16:creationId xmlns:a16="http://schemas.microsoft.com/office/drawing/2014/main" id="{D6467143-5F1C-2FCA-7BCB-6E89D3393705}"/>
+                <a16:creationId xmlns:a16="http://schemas.microsoft.com/office/drawing/2014/main" id="{94724721-6BFB-65DD-1BC7-5105422CABBF}"/>
               </a:ext>
             </a:extLst>
           </p:cNvPr>
@@ -6453,7 +6674,7 @@
           <a:p>
             <a:fld id="{951D50B2-FCDF-3248-90E7-B55C9AE895A2}" type="datetime1">
               <a:rPr kumimoji="1" lang="ja-JP" altLang="en-US" smtClean="0"/>
-              <a:t>2023/1/25</a:t>
+              <a:t>2023/2/2</a:t>
             </a:fld>
             <a:endParaRPr kumimoji="1" lang="ja-JP" altLang="en-US"/>
           </a:p>
@@ -6464,7 +6685,7 @@
           <p:cNvPr id="5" name="スライド番号プレースホルダー 4">
             <a:extLst>
               <a:ext uri="{FF2B5EF4-FFF2-40B4-BE49-F238E27FC236}">
-                <a16:creationId xmlns:a16="http://schemas.microsoft.com/office/drawing/2014/main" id="{9FBE0895-19B6-92EA-9A0E-4D350EF8D6AF}"/>
+                <a16:creationId xmlns:a16="http://schemas.microsoft.com/office/drawing/2014/main" id="{D771436B-172E-8A94-20D8-C185940F901D}"/>
               </a:ext>
             </a:extLst>
           </p:cNvPr>
@@ -6491,7 +6712,7 @@
     </p:spTree>
     <p:extLst>
       <p:ext uri="{BB962C8B-B14F-4D97-AF65-F5344CB8AC3E}">
-        <p14:creationId xmlns:p14="http://schemas.microsoft.com/office/powerpoint/2010/main" val="1696035767"/>
+        <p14:creationId xmlns:p14="http://schemas.microsoft.com/office/powerpoint/2010/main" val="1274916538"/>
       </p:ext>
     </p:extLst>
   </p:cSld>
